--- a/intro/lkloh_intro.pptx
+++ b/intro/lkloh_intro.pptx
@@ -2,11 +2,11 @@
 <file path=ppt/presentation.xml><?xml version="1.0" encoding="utf-8"?>
 <p:presentation xmlns:a="http://schemas.openxmlformats.org/drawingml/2006/main" xmlns:r="http://schemas.openxmlformats.org/officeDocument/2006/relationships" xmlns:p="http://schemas.openxmlformats.org/presentationml/2006/main" saveSubsetFonts="1" autoCompressPictures="0">
   <p:sldMasterIdLst>
-    <p:sldMasterId id="2147483648" r:id="rId1"/>
+    <p:sldMasterId id="2147483660" r:id="rId1"/>
   </p:sldMasterIdLst>
   <p:sldIdLst>
-    <p:sldId id="257" r:id="rId2"/>
-    <p:sldId id="256" r:id="rId3"/>
+    <p:sldId id="258" r:id="rId2"/>
+    <p:sldId id="259" r:id="rId3"/>
   </p:sldIdLst>
   <p:sldSz cx="9144000" cy="6858000" type="screen4x3"/>
   <p:notesSz cx="6858000" cy="9144000"/>
@@ -289,7 +289,7 @@
           <a:p>
             <a:fld id="{A3465458-8D8A-7A4D-8FA6-14D30EA66EDE}" type="datetimeFigureOut">
               <a:rPr lang="en-US" smtClean="0"/>
-              <a:t>7/28/14</a:t>
+              <a:t>7/29/14</a:t>
             </a:fld>
             <a:endParaRPr lang="en-US"/>
           </a:p>
@@ -340,7 +340,7 @@
     </p:spTree>
     <p:extLst>
       <p:ext uri="{BB962C8B-B14F-4D97-AF65-F5344CB8AC3E}">
-        <p14:creationId xmlns:p14="http://schemas.microsoft.com/office/powerpoint/2010/main" val="1220158098"/>
+        <p14:creationId xmlns:p14="http://schemas.microsoft.com/office/powerpoint/2010/main" val="3271860709"/>
       </p:ext>
     </p:extLst>
   </p:cSld>
@@ -459,7 +459,7 @@
           <a:p>
             <a:fld id="{A3465458-8D8A-7A4D-8FA6-14D30EA66EDE}" type="datetimeFigureOut">
               <a:rPr lang="en-US" smtClean="0"/>
-              <a:t>7/28/14</a:t>
+              <a:t>7/29/14</a:t>
             </a:fld>
             <a:endParaRPr lang="en-US"/>
           </a:p>
@@ -510,7 +510,7 @@
     </p:spTree>
     <p:extLst>
       <p:ext uri="{BB962C8B-B14F-4D97-AF65-F5344CB8AC3E}">
-        <p14:creationId xmlns:p14="http://schemas.microsoft.com/office/powerpoint/2010/main" val="1574050589"/>
+        <p14:creationId xmlns:p14="http://schemas.microsoft.com/office/powerpoint/2010/main" val="983342940"/>
       </p:ext>
     </p:extLst>
   </p:cSld>
@@ -639,7 +639,7 @@
           <a:p>
             <a:fld id="{A3465458-8D8A-7A4D-8FA6-14D30EA66EDE}" type="datetimeFigureOut">
               <a:rPr lang="en-US" smtClean="0"/>
-              <a:t>7/28/14</a:t>
+              <a:t>7/29/14</a:t>
             </a:fld>
             <a:endParaRPr lang="en-US"/>
           </a:p>
@@ -690,7 +690,7 @@
     </p:spTree>
     <p:extLst>
       <p:ext uri="{BB962C8B-B14F-4D97-AF65-F5344CB8AC3E}">
-        <p14:creationId xmlns:p14="http://schemas.microsoft.com/office/powerpoint/2010/main" val="3188510139"/>
+        <p14:creationId xmlns:p14="http://schemas.microsoft.com/office/powerpoint/2010/main" val="1135637860"/>
       </p:ext>
     </p:extLst>
   </p:cSld>
@@ -809,7 +809,7 @@
           <a:p>
             <a:fld id="{A3465458-8D8A-7A4D-8FA6-14D30EA66EDE}" type="datetimeFigureOut">
               <a:rPr lang="en-US" smtClean="0"/>
-              <a:t>7/28/14</a:t>
+              <a:t>7/29/14</a:t>
             </a:fld>
             <a:endParaRPr lang="en-US"/>
           </a:p>
@@ -860,7 +860,7 @@
     </p:spTree>
     <p:extLst>
       <p:ext uri="{BB962C8B-B14F-4D97-AF65-F5344CB8AC3E}">
-        <p14:creationId xmlns:p14="http://schemas.microsoft.com/office/powerpoint/2010/main" val="1460769773"/>
+        <p14:creationId xmlns:p14="http://schemas.microsoft.com/office/powerpoint/2010/main" val="1733464408"/>
       </p:ext>
     </p:extLst>
   </p:cSld>
@@ -1055,7 +1055,7 @@
           <a:p>
             <a:fld id="{A3465458-8D8A-7A4D-8FA6-14D30EA66EDE}" type="datetimeFigureOut">
               <a:rPr lang="en-US" smtClean="0"/>
-              <a:t>7/28/14</a:t>
+              <a:t>7/29/14</a:t>
             </a:fld>
             <a:endParaRPr lang="en-US"/>
           </a:p>
@@ -1106,7 +1106,7 @@
     </p:spTree>
     <p:extLst>
       <p:ext uri="{BB962C8B-B14F-4D97-AF65-F5344CB8AC3E}">
-        <p14:creationId xmlns:p14="http://schemas.microsoft.com/office/powerpoint/2010/main" val="1694470568"/>
+        <p14:creationId xmlns:p14="http://schemas.microsoft.com/office/powerpoint/2010/main" val="2652637558"/>
       </p:ext>
     </p:extLst>
   </p:cSld>
@@ -1343,7 +1343,7 @@
           <a:p>
             <a:fld id="{A3465458-8D8A-7A4D-8FA6-14D30EA66EDE}" type="datetimeFigureOut">
               <a:rPr lang="en-US" smtClean="0"/>
-              <a:t>7/28/14</a:t>
+              <a:t>7/29/14</a:t>
             </a:fld>
             <a:endParaRPr lang="en-US"/>
           </a:p>
@@ -1394,7 +1394,7 @@
     </p:spTree>
     <p:extLst>
       <p:ext uri="{BB962C8B-B14F-4D97-AF65-F5344CB8AC3E}">
-        <p14:creationId xmlns:p14="http://schemas.microsoft.com/office/powerpoint/2010/main" val="515696989"/>
+        <p14:creationId xmlns:p14="http://schemas.microsoft.com/office/powerpoint/2010/main" val="3176148466"/>
       </p:ext>
     </p:extLst>
   </p:cSld>
@@ -1765,7 +1765,7 @@
           <a:p>
             <a:fld id="{A3465458-8D8A-7A4D-8FA6-14D30EA66EDE}" type="datetimeFigureOut">
               <a:rPr lang="en-US" smtClean="0"/>
-              <a:t>7/28/14</a:t>
+              <a:t>7/29/14</a:t>
             </a:fld>
             <a:endParaRPr lang="en-US"/>
           </a:p>
@@ -1816,7 +1816,7 @@
     </p:spTree>
     <p:extLst>
       <p:ext uri="{BB962C8B-B14F-4D97-AF65-F5344CB8AC3E}">
-        <p14:creationId xmlns:p14="http://schemas.microsoft.com/office/powerpoint/2010/main" val="695140838"/>
+        <p14:creationId xmlns:p14="http://schemas.microsoft.com/office/powerpoint/2010/main" val="3531178963"/>
       </p:ext>
     </p:extLst>
   </p:cSld>
@@ -1883,7 +1883,7 @@
           <a:p>
             <a:fld id="{A3465458-8D8A-7A4D-8FA6-14D30EA66EDE}" type="datetimeFigureOut">
               <a:rPr lang="en-US" smtClean="0"/>
-              <a:t>7/28/14</a:t>
+              <a:t>7/29/14</a:t>
             </a:fld>
             <a:endParaRPr lang="en-US"/>
           </a:p>
@@ -1934,7 +1934,7 @@
     </p:spTree>
     <p:extLst>
       <p:ext uri="{BB962C8B-B14F-4D97-AF65-F5344CB8AC3E}">
-        <p14:creationId xmlns:p14="http://schemas.microsoft.com/office/powerpoint/2010/main" val="727594987"/>
+        <p14:creationId xmlns:p14="http://schemas.microsoft.com/office/powerpoint/2010/main" val="4231776261"/>
       </p:ext>
     </p:extLst>
   </p:cSld>
@@ -1978,7 +1978,7 @@
           <a:p>
             <a:fld id="{A3465458-8D8A-7A4D-8FA6-14D30EA66EDE}" type="datetimeFigureOut">
               <a:rPr lang="en-US" smtClean="0"/>
-              <a:t>7/28/14</a:t>
+              <a:t>7/29/14</a:t>
             </a:fld>
             <a:endParaRPr lang="en-US"/>
           </a:p>
@@ -2029,7 +2029,7 @@
     </p:spTree>
     <p:extLst>
       <p:ext uri="{BB962C8B-B14F-4D97-AF65-F5344CB8AC3E}">
-        <p14:creationId xmlns:p14="http://schemas.microsoft.com/office/powerpoint/2010/main" val="4151052269"/>
+        <p14:creationId xmlns:p14="http://schemas.microsoft.com/office/powerpoint/2010/main" val="3574447428"/>
       </p:ext>
     </p:extLst>
   </p:cSld>
@@ -2255,7 +2255,7 @@
           <a:p>
             <a:fld id="{A3465458-8D8A-7A4D-8FA6-14D30EA66EDE}" type="datetimeFigureOut">
               <a:rPr lang="en-US" smtClean="0"/>
-              <a:t>7/28/14</a:t>
+              <a:t>7/29/14</a:t>
             </a:fld>
             <a:endParaRPr lang="en-US"/>
           </a:p>
@@ -2306,7 +2306,7 @@
     </p:spTree>
     <p:extLst>
       <p:ext uri="{BB962C8B-B14F-4D97-AF65-F5344CB8AC3E}">
-        <p14:creationId xmlns:p14="http://schemas.microsoft.com/office/powerpoint/2010/main" val="2285522039"/>
+        <p14:creationId xmlns:p14="http://schemas.microsoft.com/office/powerpoint/2010/main" val="1912188822"/>
       </p:ext>
     </p:extLst>
   </p:cSld>
@@ -2508,7 +2508,7 @@
           <a:p>
             <a:fld id="{A3465458-8D8A-7A4D-8FA6-14D30EA66EDE}" type="datetimeFigureOut">
               <a:rPr lang="en-US" smtClean="0"/>
-              <a:t>7/28/14</a:t>
+              <a:t>7/29/14</a:t>
             </a:fld>
             <a:endParaRPr lang="en-US"/>
           </a:p>
@@ -2559,7 +2559,7 @@
     </p:spTree>
     <p:extLst>
       <p:ext uri="{BB962C8B-B14F-4D97-AF65-F5344CB8AC3E}">
-        <p14:creationId xmlns:p14="http://schemas.microsoft.com/office/powerpoint/2010/main" val="1620268188"/>
+        <p14:creationId xmlns:p14="http://schemas.microsoft.com/office/powerpoint/2010/main" val="1165562421"/>
       </p:ext>
     </p:extLst>
   </p:cSld>
@@ -2573,12 +2573,9 @@
 <p:sldMaster xmlns:a="http://schemas.openxmlformats.org/drawingml/2006/main" xmlns:r="http://schemas.openxmlformats.org/officeDocument/2006/relationships" xmlns:p="http://schemas.openxmlformats.org/presentationml/2006/main">
   <p:cSld>
     <p:bg>
-      <p:bgPr>
-        <a:solidFill>
-          <a:schemeClr val="tx1"/>
-        </a:solidFill>
-        <a:effectLst/>
-      </p:bgPr>
+      <p:bgRef idx="1001">
+        <a:schemeClr val="bg1"/>
+      </p:bgRef>
     </p:bg>
     <p:spTree>
       <p:nvGrpSpPr>
@@ -2724,7 +2721,7 @@
           <a:p>
             <a:fld id="{A3465458-8D8A-7A4D-8FA6-14D30EA66EDE}" type="datetimeFigureOut">
               <a:rPr lang="en-US" smtClean="0"/>
-              <a:t>7/28/14</a:t>
+              <a:t>7/29/14</a:t>
             </a:fld>
             <a:endParaRPr lang="en-US"/>
           </a:p>
@@ -2811,23 +2808,23 @@
     </p:spTree>
     <p:extLst>
       <p:ext uri="{BB962C8B-B14F-4D97-AF65-F5344CB8AC3E}">
-        <p14:creationId xmlns:p14="http://schemas.microsoft.com/office/powerpoint/2010/main" val="719819938"/>
+        <p14:creationId xmlns:p14="http://schemas.microsoft.com/office/powerpoint/2010/main" val="3998416163"/>
       </p:ext>
     </p:extLst>
   </p:cSld>
   <p:clrMap bg1="lt1" tx1="dk1" bg2="lt2" tx2="dk2" accent1="accent1" accent2="accent2" accent3="accent3" accent4="accent4" accent5="accent5" accent6="accent6" hlink="hlink" folHlink="folHlink"/>
   <p:sldLayoutIdLst>
-    <p:sldLayoutId id="2147483649" r:id="rId1"/>
-    <p:sldLayoutId id="2147483650" r:id="rId2"/>
-    <p:sldLayoutId id="2147483651" r:id="rId3"/>
-    <p:sldLayoutId id="2147483652" r:id="rId4"/>
-    <p:sldLayoutId id="2147483653" r:id="rId5"/>
-    <p:sldLayoutId id="2147483654" r:id="rId6"/>
-    <p:sldLayoutId id="2147483655" r:id="rId7"/>
-    <p:sldLayoutId id="2147483656" r:id="rId8"/>
-    <p:sldLayoutId id="2147483657" r:id="rId9"/>
-    <p:sldLayoutId id="2147483658" r:id="rId10"/>
-    <p:sldLayoutId id="2147483659" r:id="rId11"/>
+    <p:sldLayoutId id="2147483661" r:id="rId1"/>
+    <p:sldLayoutId id="2147483662" r:id="rId2"/>
+    <p:sldLayoutId id="2147483663" r:id="rId3"/>
+    <p:sldLayoutId id="2147483664" r:id="rId4"/>
+    <p:sldLayoutId id="2147483665" r:id="rId5"/>
+    <p:sldLayoutId id="2147483666" r:id="rId6"/>
+    <p:sldLayoutId id="2147483667" r:id="rId7"/>
+    <p:sldLayoutId id="2147483668" r:id="rId8"/>
+    <p:sldLayoutId id="2147483669" r:id="rId9"/>
+    <p:sldLayoutId id="2147483670" r:id="rId10"/>
+    <p:sldLayoutId id="2147483671" r:id="rId11"/>
   </p:sldLayoutIdLst>
   <p:txStyles>
     <p:titleStyle>
@@ -3101,13 +3098,13 @@
       </p:grpSpPr>
       <p:pic>
         <p:nvPicPr>
-          <p:cNvPr id="4" name="Picture 3" descr="247419_10100387225823198_1272162_n.jpg"/>
+          <p:cNvPr id="5" name="Picture 4" descr="na.png"/>
           <p:cNvPicPr>
             <a:picLocks noChangeAspect="1"/>
           </p:cNvPicPr>
           <p:nvPr/>
         </p:nvPicPr>
-        <p:blipFill rotWithShape="1">
+        <p:blipFill>
           <a:blip r:embed="rId2">
             <a:extLst>
               <a:ext uri="{28A0092B-C50C-407E-A947-70E740481C1C}">
@@ -3115,13 +3112,14 @@
               </a:ext>
             </a:extLst>
           </a:blip>
-          <a:srcRect l="8255" r="10812"/>
-          <a:stretch/>
+          <a:stretch>
+            <a:fillRect/>
+          </a:stretch>
         </p:blipFill>
         <p:spPr>
           <a:xfrm>
-            <a:off x="3791415" y="1428223"/>
-            <a:ext cx="4838495" cy="3985589"/>
+            <a:off x="-1" y="0"/>
+            <a:ext cx="4708627" cy="6858000"/>
           </a:xfrm>
           <a:prstGeom prst="rect">
             <a:avLst/>
@@ -3130,448 +3128,127 @@
       </p:pic>
       <p:sp>
         <p:nvSpPr>
-          <p:cNvPr id="5" name="TextBox 6"/>
-          <p:cNvSpPr txBox="1">
-            <a:spLocks noChangeArrowheads="1"/>
-          </p:cNvSpPr>
+          <p:cNvPr id="4" name="TextBox 3"/>
+          <p:cNvSpPr txBox="1"/>
           <p:nvPr/>
         </p:nvSpPr>
-        <p:spPr bwMode="auto">
+        <p:spPr>
           <a:xfrm>
-            <a:off x="180975" y="181985"/>
-            <a:ext cx="8740001" cy="1138773"/>
+            <a:off x="2810932" y="4199467"/>
+            <a:ext cx="6197603" cy="2523768"/>
           </a:xfrm>
           <a:prstGeom prst="rect">
             <a:avLst/>
           </a:prstGeom>
-          <a:noFill/>
-          <a:ln>
-            <a:noFill/>
-          </a:ln>
-          <a:extLst>
-            <a:ext uri="{909E8E84-426E-40dd-AFC4-6F175D3DCCD1}">
-              <a14:hiddenFill xmlns:a14="http://schemas.microsoft.com/office/drawing/2010/main">
-                <a:solidFill>
-                  <a:srgbClr val="FFFFFF"/>
-                </a:solidFill>
-              </a14:hiddenFill>
-            </a:ext>
-            <a:ext uri="{91240B29-F687-4f45-9708-019B960494DF}">
-              <a14:hiddenLine xmlns:a14="http://schemas.microsoft.com/office/drawing/2010/main" w="9525">
-                <a:solidFill>
-                  <a:srgbClr val="000000"/>
-                </a:solidFill>
-                <a:miter lim="800000"/>
-                <a:headEnd/>
-                <a:tailEnd/>
-              </a14:hiddenLine>
-            </a:ext>
-          </a:extLst>
+          <a:solidFill>
+            <a:schemeClr val="accent3">
+              <a:lumMod val="75000"/>
+            </a:schemeClr>
+          </a:solidFill>
         </p:spPr>
         <p:txBody>
-          <a:bodyPr wrap="square">
+          <a:bodyPr wrap="square" rtlCol="0">
             <a:spAutoFit/>
           </a:bodyPr>
-          <a:lstStyle>
-            <a:lvl1pPr eaLnBrk="0" hangingPunct="0">
-              <a:defRPr sz="2400">
+          <a:lstStyle/>
+          <a:p>
+            <a:r>
+              <a:rPr lang="en-US" sz="2800" dirty="0" smtClean="0">
                 <a:solidFill>
-                  <a:schemeClr val="tx1"/>
+                  <a:schemeClr val="bg1"/>
                 </a:solidFill>
-                <a:latin typeface="Calibri" charset="0"/>
-                <a:ea typeface="ＭＳ Ｐゴシック" charset="0"/>
-                <a:cs typeface="ＭＳ Ｐゴシック" charset="0"/>
-              </a:defRPr>
-            </a:lvl1pPr>
-            <a:lvl2pPr marL="742950" indent="-285750" eaLnBrk="0" hangingPunct="0">
-              <a:defRPr sz="2400">
+              </a:rPr>
+              <a:t>Lay </a:t>
+            </a:r>
+            <a:r>
+              <a:rPr lang="en-US" sz="2800" dirty="0" err="1" smtClean="0">
                 <a:solidFill>
-                  <a:schemeClr val="tx1"/>
+                  <a:schemeClr val="bg1"/>
                 </a:solidFill>
-                <a:latin typeface="Calibri" charset="0"/>
-                <a:ea typeface="ＭＳ Ｐゴシック" charset="0"/>
-              </a:defRPr>
-            </a:lvl2pPr>
-            <a:lvl3pPr marL="1143000" indent="-228600" eaLnBrk="0" hangingPunct="0">
-              <a:defRPr sz="2400">
+              </a:rPr>
+              <a:t>Kuan</a:t>
+            </a:r>
+            <a:r>
+              <a:rPr lang="en-US" sz="2800" dirty="0" smtClean="0">
                 <a:solidFill>
-                  <a:schemeClr val="tx1"/>
+                  <a:schemeClr val="bg1"/>
                 </a:solidFill>
-                <a:latin typeface="Calibri" charset="0"/>
-                <a:ea typeface="ＭＳ Ｐゴシック" charset="0"/>
-              </a:defRPr>
-            </a:lvl3pPr>
-            <a:lvl4pPr marL="1600200" indent="-228600" eaLnBrk="0" hangingPunct="0">
-              <a:defRPr sz="2400">
+              </a:rPr>
+              <a:t> Loh</a:t>
+            </a:r>
+          </a:p>
+          <a:p>
+            <a:pPr marL="457200" indent="-457200">
+              <a:buFont typeface="Arial"/>
+              <a:buChar char="•"/>
+            </a:pPr>
+            <a:r>
+              <a:rPr lang="en-US" sz="2800" dirty="0" smtClean="0">
                 <a:solidFill>
-                  <a:schemeClr val="tx1"/>
+                  <a:schemeClr val="bg1"/>
                 </a:solidFill>
-                <a:latin typeface="Calibri" charset="0"/>
-                <a:ea typeface="ＭＳ Ｐゴシック" charset="0"/>
-              </a:defRPr>
-            </a:lvl4pPr>
-            <a:lvl5pPr marL="2057400" indent="-228600" eaLnBrk="0" hangingPunct="0">
-              <a:defRPr sz="2400">
+              </a:rPr>
+              <a:t>Former software engineer</a:t>
+            </a:r>
+          </a:p>
+          <a:p>
+            <a:pPr marL="457200" indent="-457200">
+              <a:buFont typeface="Arial"/>
+              <a:buChar char="•"/>
+            </a:pPr>
+            <a:r>
+              <a:rPr lang="en-US" sz="2800" dirty="0" smtClean="0">
                 <a:solidFill>
-                  <a:schemeClr val="tx1"/>
+                  <a:schemeClr val="bg1"/>
                 </a:solidFill>
-                <a:latin typeface="Calibri" charset="0"/>
-                <a:ea typeface="ＭＳ Ｐゴシック" charset="0"/>
-              </a:defRPr>
-            </a:lvl5pPr>
-            <a:lvl6pPr marL="2514600" indent="-228600" eaLnBrk="0" fontAlgn="base" hangingPunct="0">
-              <a:spcBef>
-                <a:spcPct val="0"/>
-              </a:spcBef>
-              <a:spcAft>
-                <a:spcPct val="0"/>
-              </a:spcAft>
-              <a:defRPr sz="2400">
+              </a:rPr>
+              <a:t>Former intern at Northwestern EPS</a:t>
+            </a:r>
+          </a:p>
+          <a:p>
+            <a:pPr marL="457200" indent="-457200">
+              <a:buFont typeface="Arial"/>
+              <a:buChar char="•"/>
+            </a:pPr>
+            <a:r>
+              <a:rPr lang="en-US" sz="2800" dirty="0" smtClean="0">
                 <a:solidFill>
-                  <a:schemeClr val="tx1"/>
+                  <a:schemeClr val="bg1"/>
                 </a:solidFill>
-                <a:latin typeface="Calibri" charset="0"/>
-                <a:ea typeface="ＭＳ Ｐゴシック" charset="0"/>
-              </a:defRPr>
-            </a:lvl6pPr>
-            <a:lvl7pPr marL="2971800" indent="-228600" eaLnBrk="0" fontAlgn="base" hangingPunct="0">
-              <a:spcBef>
-                <a:spcPct val="0"/>
-              </a:spcBef>
-              <a:spcAft>
-                <a:spcPct val="0"/>
-              </a:spcAft>
-              <a:defRPr sz="2400">
+              </a:rPr>
+              <a:t>Graduate Student at Carnegie Mellon</a:t>
+            </a:r>
+          </a:p>
+          <a:p>
+            <a:pPr marL="914400" lvl="1" indent="-457200">
+              <a:buFont typeface="Arial"/>
+              <a:buChar char="•"/>
+            </a:pPr>
+            <a:r>
+              <a:rPr lang="en-US" sz="2800" dirty="0">
                 <a:solidFill>
-                  <a:schemeClr val="tx1"/>
+                  <a:schemeClr val="bg1"/>
                 </a:solidFill>
-                <a:latin typeface="Calibri" charset="0"/>
-                <a:ea typeface="ＭＳ Ｐゴシック" charset="0"/>
-              </a:defRPr>
-            </a:lvl7pPr>
-            <a:lvl8pPr marL="3429000" indent="-228600" eaLnBrk="0" fontAlgn="base" hangingPunct="0">
-              <a:spcBef>
-                <a:spcPct val="0"/>
-              </a:spcBef>
-              <a:spcAft>
-                <a:spcPct val="0"/>
-              </a:spcAft>
-              <a:defRPr sz="2400">
+              </a:rPr>
+              <a:t>S</a:t>
+            </a:r>
+            <a:r>
+              <a:rPr lang="en-US" sz="2800" dirty="0" smtClean="0">
                 <a:solidFill>
-                  <a:schemeClr val="tx1"/>
+                  <a:schemeClr val="bg1"/>
                 </a:solidFill>
-                <a:latin typeface="Calibri" charset="0"/>
-                <a:ea typeface="ＭＳ Ｐゴシック" charset="0"/>
-              </a:defRPr>
-            </a:lvl8pPr>
-            <a:lvl9pPr marL="3886200" indent="-228600" eaLnBrk="0" fontAlgn="base" hangingPunct="0">
-              <a:spcBef>
-                <a:spcPct val="0"/>
-              </a:spcBef>
-              <a:spcAft>
-                <a:spcPct val="0"/>
-              </a:spcAft>
-              <a:defRPr sz="2400">
-                <a:solidFill>
-                  <a:schemeClr val="tx1"/>
-                </a:solidFill>
-                <a:latin typeface="Calibri" charset="0"/>
-                <a:ea typeface="ＭＳ Ｐゴシック" charset="0"/>
-              </a:defRPr>
-            </a:lvl9pPr>
-          </a:lstStyle>
-          <a:p>
-            <a:pPr eaLnBrk="1" hangingPunct="1"/>
-            <a:r>
-              <a:rPr lang="en-US" sz="3400" dirty="0" smtClean="0">
-                <a:solidFill>
-                  <a:srgbClr val="FFFF00"/>
-                </a:solidFill>
-                <a:latin typeface="Arial"/>
-                <a:cs typeface="Arial"/>
               </a:rPr>
-              <a:t>Andy Frassetto</a:t>
-            </a:r>
-            <a:endParaRPr lang="en-US" sz="3400" dirty="0">
-              <a:solidFill>
-                <a:srgbClr val="FFFF00"/>
-              </a:solidFill>
-              <a:latin typeface="Arial"/>
-              <a:cs typeface="Arial"/>
-            </a:endParaRPr>
-          </a:p>
-          <a:p>
-            <a:pPr eaLnBrk="1" hangingPunct="1"/>
-            <a:r>
-              <a:rPr lang="en-US" sz="3400" dirty="0" smtClean="0">
-                <a:solidFill>
-                  <a:srgbClr val="FFFF00"/>
-                </a:solidFill>
-                <a:latin typeface="Arial"/>
-                <a:cs typeface="Arial"/>
-              </a:rPr>
-              <a:t>“Swiss Army Knife” at IRIS HQ for </a:t>
-            </a:r>
-            <a:r>
-              <a:rPr lang="en-US" sz="3400" dirty="0" smtClean="0">
-                <a:solidFill>
-                  <a:srgbClr val="FFFF00"/>
-                </a:solidFill>
-                <a:latin typeface="Arial"/>
-                <a:cs typeface="Arial"/>
-              </a:rPr>
-              <a:t>~3 </a:t>
-            </a:r>
-            <a:r>
-              <a:rPr lang="en-US" sz="3400" dirty="0" smtClean="0">
-                <a:solidFill>
-                  <a:srgbClr val="FFFF00"/>
-                </a:solidFill>
-                <a:latin typeface="Arial"/>
-                <a:cs typeface="Arial"/>
-              </a:rPr>
-              <a:t>years</a:t>
-            </a:r>
-          </a:p>
-        </p:txBody>
-      </p:sp>
-      <p:sp>
-        <p:nvSpPr>
-          <p:cNvPr id="6" name="TextBox 6"/>
-          <p:cNvSpPr txBox="1">
-            <a:spLocks noChangeArrowheads="1"/>
-          </p:cNvSpPr>
-          <p:nvPr/>
-        </p:nvSpPr>
-        <p:spPr bwMode="auto">
-          <a:xfrm>
-            <a:off x="180975" y="5474304"/>
-            <a:ext cx="8740001" cy="1200328"/>
-          </a:xfrm>
-          <a:prstGeom prst="rect">
-            <a:avLst/>
-          </a:prstGeom>
-          <a:noFill/>
-          <a:ln>
-            <a:noFill/>
-          </a:ln>
-          <a:extLst>
-            <a:ext uri="{909E8E84-426E-40dd-AFC4-6F175D3DCCD1}">
-              <a14:hiddenFill xmlns:a14="http://schemas.microsoft.com/office/drawing/2010/main">
-                <a:solidFill>
-                  <a:srgbClr val="FFFFFF"/>
-                </a:solidFill>
-              </a14:hiddenFill>
-            </a:ext>
-            <a:ext uri="{91240B29-F687-4f45-9708-019B960494DF}">
-              <a14:hiddenLine xmlns:a14="http://schemas.microsoft.com/office/drawing/2010/main" w="9525">
-                <a:solidFill>
-                  <a:srgbClr val="000000"/>
-                </a:solidFill>
-                <a:miter lim="800000"/>
-                <a:headEnd/>
-                <a:tailEnd/>
-              </a14:hiddenLine>
-            </a:ext>
-          </a:extLst>
-        </p:spPr>
-        <p:txBody>
-          <a:bodyPr wrap="square">
-            <a:spAutoFit/>
-          </a:bodyPr>
-          <a:lstStyle>
-            <a:lvl1pPr eaLnBrk="0" hangingPunct="0">
-              <a:defRPr sz="2400">
-                <a:solidFill>
-                  <a:schemeClr val="tx1"/>
-                </a:solidFill>
-                <a:latin typeface="Calibri" charset="0"/>
-                <a:ea typeface="ＭＳ Ｐゴシック" charset="0"/>
-                <a:cs typeface="ＭＳ Ｐゴシック" charset="0"/>
-              </a:defRPr>
-            </a:lvl1pPr>
-            <a:lvl2pPr marL="742950" indent="-285750" eaLnBrk="0" hangingPunct="0">
-              <a:defRPr sz="2400">
-                <a:solidFill>
-                  <a:schemeClr val="tx1"/>
-                </a:solidFill>
-                <a:latin typeface="Calibri" charset="0"/>
-                <a:ea typeface="ＭＳ Ｐゴシック" charset="0"/>
-              </a:defRPr>
-            </a:lvl2pPr>
-            <a:lvl3pPr marL="1143000" indent="-228600" eaLnBrk="0" hangingPunct="0">
-              <a:defRPr sz="2400">
-                <a:solidFill>
-                  <a:schemeClr val="tx1"/>
-                </a:solidFill>
-                <a:latin typeface="Calibri" charset="0"/>
-                <a:ea typeface="ＭＳ Ｐゴシック" charset="0"/>
-              </a:defRPr>
-            </a:lvl3pPr>
-            <a:lvl4pPr marL="1600200" indent="-228600" eaLnBrk="0" hangingPunct="0">
-              <a:defRPr sz="2400">
-                <a:solidFill>
-                  <a:schemeClr val="tx1"/>
-                </a:solidFill>
-                <a:latin typeface="Calibri" charset="0"/>
-                <a:ea typeface="ＭＳ Ｐゴシック" charset="0"/>
-              </a:defRPr>
-            </a:lvl4pPr>
-            <a:lvl5pPr marL="2057400" indent="-228600" eaLnBrk="0" hangingPunct="0">
-              <a:defRPr sz="2400">
-                <a:solidFill>
-                  <a:schemeClr val="tx1"/>
-                </a:solidFill>
-                <a:latin typeface="Calibri" charset="0"/>
-                <a:ea typeface="ＭＳ Ｐゴシック" charset="0"/>
-              </a:defRPr>
-            </a:lvl5pPr>
-            <a:lvl6pPr marL="2514600" indent="-228600" eaLnBrk="0" fontAlgn="base" hangingPunct="0">
-              <a:spcBef>
-                <a:spcPct val="0"/>
-              </a:spcBef>
-              <a:spcAft>
-                <a:spcPct val="0"/>
-              </a:spcAft>
-              <a:defRPr sz="2400">
-                <a:solidFill>
-                  <a:schemeClr val="tx1"/>
-                </a:solidFill>
-                <a:latin typeface="Calibri" charset="0"/>
-                <a:ea typeface="ＭＳ Ｐゴシック" charset="0"/>
-              </a:defRPr>
-            </a:lvl6pPr>
-            <a:lvl7pPr marL="2971800" indent="-228600" eaLnBrk="0" fontAlgn="base" hangingPunct="0">
-              <a:spcBef>
-                <a:spcPct val="0"/>
-              </a:spcBef>
-              <a:spcAft>
-                <a:spcPct val="0"/>
-              </a:spcAft>
-              <a:defRPr sz="2400">
-                <a:solidFill>
-                  <a:schemeClr val="tx1"/>
-                </a:solidFill>
-                <a:latin typeface="Calibri" charset="0"/>
-                <a:ea typeface="ＭＳ Ｐゴシック" charset="0"/>
-              </a:defRPr>
-            </a:lvl7pPr>
-            <a:lvl8pPr marL="3429000" indent="-228600" eaLnBrk="0" fontAlgn="base" hangingPunct="0">
-              <a:spcBef>
-                <a:spcPct val="0"/>
-              </a:spcBef>
-              <a:spcAft>
-                <a:spcPct val="0"/>
-              </a:spcAft>
-              <a:defRPr sz="2400">
-                <a:solidFill>
-                  <a:schemeClr val="tx1"/>
-                </a:solidFill>
-                <a:latin typeface="Calibri" charset="0"/>
-                <a:ea typeface="ＭＳ Ｐゴシック" charset="0"/>
-              </a:defRPr>
-            </a:lvl8pPr>
-            <a:lvl9pPr marL="3886200" indent="-228600" eaLnBrk="0" fontAlgn="base" hangingPunct="0">
-              <a:spcBef>
-                <a:spcPct val="0"/>
-              </a:spcBef>
-              <a:spcAft>
-                <a:spcPct val="0"/>
-              </a:spcAft>
-              <a:defRPr sz="2400">
-                <a:solidFill>
-                  <a:schemeClr val="tx1"/>
-                </a:solidFill>
-                <a:latin typeface="Calibri" charset="0"/>
-                <a:ea typeface="ＭＳ Ｐゴシック" charset="0"/>
-              </a:defRPr>
-            </a:lvl9pPr>
-          </a:lstStyle>
-          <a:p>
-            <a:pPr eaLnBrk="1" hangingPunct="1"/>
-            <a:r>
-              <a:rPr lang="en-US" dirty="0" smtClean="0">
-                <a:solidFill>
-                  <a:srgbClr val="FFFF00"/>
-                </a:solidFill>
-                <a:latin typeface="Arial"/>
-                <a:cs typeface="Arial"/>
-              </a:rPr>
-              <a:t>2011 Univ. Copenhagen (Scandinavian Post-doc/Vacation)</a:t>
-            </a:r>
-            <a:endParaRPr lang="en-US" dirty="0">
-              <a:solidFill>
-                <a:srgbClr val="FFFF00"/>
-              </a:solidFill>
-              <a:latin typeface="Arial"/>
-              <a:cs typeface="Arial"/>
-            </a:endParaRPr>
-          </a:p>
-          <a:p>
-            <a:pPr eaLnBrk="1" hangingPunct="1"/>
-            <a:r>
-              <a:rPr lang="en-US" dirty="0">
-                <a:solidFill>
-                  <a:srgbClr val="FFFF00"/>
-                </a:solidFill>
-                <a:latin typeface="Arial"/>
-                <a:cs typeface="Arial"/>
-              </a:rPr>
-              <a:t>Ph.D. </a:t>
-            </a:r>
-            <a:r>
-              <a:rPr lang="en-US" dirty="0" smtClean="0">
-                <a:solidFill>
-                  <a:srgbClr val="FFFF00"/>
-                </a:solidFill>
-                <a:latin typeface="Arial"/>
-                <a:cs typeface="Arial"/>
-              </a:rPr>
-              <a:t>2009 Univ. Arizona w/George Zandt and Susan Beck</a:t>
-            </a:r>
-            <a:endParaRPr lang="en-US" dirty="0">
-              <a:solidFill>
-                <a:srgbClr val="FFFF00"/>
-              </a:solidFill>
-              <a:latin typeface="Arial"/>
-              <a:cs typeface="Arial"/>
-            </a:endParaRPr>
-          </a:p>
-          <a:p>
-            <a:pPr eaLnBrk="1" hangingPunct="1"/>
-            <a:r>
-              <a:rPr lang="en-US" dirty="0">
-                <a:solidFill>
-                  <a:srgbClr val="FFFF00"/>
-                </a:solidFill>
-                <a:latin typeface="Arial"/>
-                <a:cs typeface="Arial"/>
-              </a:rPr>
-              <a:t>B.S</a:t>
-            </a:r>
-            <a:r>
-              <a:rPr lang="en-US" dirty="0" smtClean="0">
-                <a:solidFill>
-                  <a:srgbClr val="FFFF00"/>
-                </a:solidFill>
-                <a:latin typeface="Arial"/>
-                <a:cs typeface="Arial"/>
-              </a:rPr>
-              <a:t>. 2004 Univ. South Carolina</a:t>
-            </a:r>
-            <a:endParaRPr lang="en-US" dirty="0">
-              <a:solidFill>
-                <a:srgbClr val="FFFF00"/>
-              </a:solidFill>
-              <a:latin typeface="Arial"/>
-              <a:cs typeface="Arial"/>
-            </a:endParaRPr>
+              <a:t>tarted June 30, 2014</a:t>
+            </a:r>
+          </a:p>
+          <a:p>
+            <a:endParaRPr lang="en-US" dirty="0"/>
           </a:p>
         </p:txBody>
       </p:sp>
       <p:pic>
         <p:nvPicPr>
-          <p:cNvPr id="2" name="Picture 1" descr="WELCOME3.jpg"/>
+          <p:cNvPr id="6" name="Picture 5" descr="Screen Shot 2014-07-29 at 6.02.26 PM.png"/>
           <p:cNvPicPr>
             <a:picLocks noChangeAspect="1"/>
           </p:cNvPicPr>
@@ -3591,31 +3268,89 @@
         </p:blipFill>
         <p:spPr>
           <a:xfrm>
-            <a:off x="574571" y="1428223"/>
-            <a:ext cx="2649992" cy="3985589"/>
+            <a:off x="4708626" y="0"/>
+            <a:ext cx="4435374" cy="3427657"/>
           </a:xfrm>
           <a:prstGeom prst="rect">
             <a:avLst/>
           </a:prstGeom>
         </p:spPr>
       </p:pic>
+      <p:sp>
+        <p:nvSpPr>
+          <p:cNvPr id="7" name="Rectangle 6"/>
+          <p:cNvSpPr/>
+          <p:nvPr/>
+        </p:nvSpPr>
+        <p:spPr>
+          <a:xfrm rot="19861984">
+            <a:off x="3579925" y="1054183"/>
+            <a:ext cx="4591897" cy="923330"/>
+          </a:xfrm>
+          <a:prstGeom prst="rect">
+            <a:avLst/>
+          </a:prstGeom>
+          <a:noFill/>
+        </p:spPr>
+        <p:txBody>
+          <a:bodyPr wrap="none" lIns="91440" tIns="45720" rIns="91440" bIns="45720">
+            <a:spAutoFit/>
+          </a:bodyPr>
+          <a:lstStyle/>
+          <a:p>
+            <a:pPr algn="ctr"/>
+            <a:r>
+              <a:rPr lang="en-US" sz="5400" dirty="0" smtClean="0">
+                <a:ln w="18415" cmpd="sng">
+                  <a:solidFill>
+                    <a:srgbClr val="FFFFFF"/>
+                  </a:solidFill>
+                  <a:prstDash val="solid"/>
+                </a:ln>
+                <a:solidFill>
+                  <a:srgbClr val="FFFFFF"/>
+                </a:solidFill>
+                <a:effectLst>
+                  <a:outerShdw blurRad="63500" dir="3600000" algn="tl" rotWithShape="0">
+                    <a:srgbClr val="000000">
+                      <a:alpha val="70000"/>
+                    </a:srgbClr>
+                  </a:outerShdw>
+                </a:effectLst>
+              </a:rPr>
+              <a:t>Mao the bunny</a:t>
+            </a:r>
+            <a:endParaRPr lang="en-US" sz="5400" dirty="0">
+              <a:ln w="18415" cmpd="sng">
+                <a:solidFill>
+                  <a:srgbClr val="FFFFFF"/>
+                </a:solidFill>
+                <a:prstDash val="solid"/>
+              </a:ln>
+              <a:solidFill>
+                <a:srgbClr val="FFFFFF"/>
+              </a:solidFill>
+              <a:effectLst>
+                <a:outerShdw blurRad="63500" dir="3600000" algn="tl" rotWithShape="0">
+                  <a:srgbClr val="000000">
+                    <a:alpha val="70000"/>
+                  </a:srgbClr>
+                </a:outerShdw>
+              </a:effectLst>
+            </a:endParaRPr>
+          </a:p>
+        </p:txBody>
+      </p:sp>
     </p:spTree>
     <p:extLst>
       <p:ext uri="{BB962C8B-B14F-4D97-AF65-F5344CB8AC3E}">
-        <p14:creationId xmlns:p14="http://schemas.microsoft.com/office/powerpoint/2010/main" val="4261689237"/>
+        <p14:creationId xmlns:p14="http://schemas.microsoft.com/office/powerpoint/2010/main" val="492789994"/>
       </p:ext>
     </p:extLst>
   </p:cSld>
   <p:clrMapOvr>
     <a:masterClrMapping/>
   </p:clrMapOvr>
-  <p:timing>
-    <p:tnLst>
-      <p:par>
-        <p:cTn xmlns:p14="http://schemas.microsoft.com/office/powerpoint/2010/main" id="1" dur="indefinite" restart="never" nodeType="tmRoot"/>
-      </p:par>
-    </p:tnLst>
-  </p:timing>
 </p:sld>
 </file>
 
@@ -3638,1817 +3373,391 @@
       </p:grpSpPr>
       <p:sp>
         <p:nvSpPr>
-          <p:cNvPr id="5" name="TextBox 6"/>
-          <p:cNvSpPr txBox="1">
-            <a:spLocks noChangeArrowheads="1"/>
-          </p:cNvSpPr>
+          <p:cNvPr id="2" name="TextBox 1"/>
+          <p:cNvSpPr txBox="1"/>
           <p:nvPr/>
         </p:nvSpPr>
-        <p:spPr bwMode="auto">
+        <p:spPr>
           <a:xfrm>
-            <a:off x="2022475" y="93488"/>
-            <a:ext cx="1279525" cy="646331"/>
+            <a:off x="4436532" y="3037889"/>
+            <a:ext cx="4131734" cy="1200329"/>
           </a:xfrm>
           <a:prstGeom prst="rect">
             <a:avLst/>
           </a:prstGeom>
-          <a:noFill/>
-          <a:ln>
-            <a:noFill/>
-          </a:ln>
-          <a:extLst>
-            <a:ext uri="{909E8E84-426E-40dd-AFC4-6F175D3DCCD1}">
-              <a14:hiddenFill xmlns:a14="http://schemas.microsoft.com/office/drawing/2010/main">
-                <a:solidFill>
-                  <a:srgbClr val="FFFFFF"/>
-                </a:solidFill>
-              </a14:hiddenFill>
-            </a:ext>
-            <a:ext uri="{91240B29-F687-4f45-9708-019B960494DF}">
-              <a14:hiddenLine xmlns:a14="http://schemas.microsoft.com/office/drawing/2010/main" w="9525">
-                <a:solidFill>
-                  <a:srgbClr val="000000"/>
-                </a:solidFill>
-                <a:miter lim="800000"/>
-                <a:headEnd/>
-                <a:tailEnd/>
-              </a14:hiddenLine>
-            </a:ext>
-          </a:extLst>
+          <a:solidFill>
+            <a:schemeClr val="accent6">
+              <a:lumMod val="60000"/>
+              <a:lumOff val="40000"/>
+            </a:schemeClr>
+          </a:solidFill>
         </p:spPr>
         <p:txBody>
-          <a:bodyPr wrap="square">
+          <a:bodyPr wrap="square" rtlCol="0">
             <a:spAutoFit/>
           </a:bodyPr>
-          <a:lstStyle>
-            <a:lvl1pPr eaLnBrk="0" hangingPunct="0">
-              <a:defRPr sz="2400">
-                <a:solidFill>
-                  <a:schemeClr val="tx1"/>
-                </a:solidFill>
-                <a:latin typeface="Calibri" charset="0"/>
-                <a:ea typeface="ＭＳ Ｐゴシック" charset="0"/>
-                <a:cs typeface="ＭＳ Ｐゴシック" charset="0"/>
-              </a:defRPr>
-            </a:lvl1pPr>
-            <a:lvl2pPr marL="742950" indent="-285750" eaLnBrk="0" hangingPunct="0">
-              <a:defRPr sz="2400">
-                <a:solidFill>
-                  <a:schemeClr val="tx1"/>
-                </a:solidFill>
-                <a:latin typeface="Calibri" charset="0"/>
-                <a:ea typeface="ＭＳ Ｐゴシック" charset="0"/>
-              </a:defRPr>
-            </a:lvl2pPr>
-            <a:lvl3pPr marL="1143000" indent="-228600" eaLnBrk="0" hangingPunct="0">
-              <a:defRPr sz="2400">
-                <a:solidFill>
-                  <a:schemeClr val="tx1"/>
-                </a:solidFill>
-                <a:latin typeface="Calibri" charset="0"/>
-                <a:ea typeface="ＭＳ Ｐゴシック" charset="0"/>
-              </a:defRPr>
-            </a:lvl3pPr>
-            <a:lvl4pPr marL="1600200" indent="-228600" eaLnBrk="0" hangingPunct="0">
-              <a:defRPr sz="2400">
-                <a:solidFill>
-                  <a:schemeClr val="tx1"/>
-                </a:solidFill>
-                <a:latin typeface="Calibri" charset="0"/>
-                <a:ea typeface="ＭＳ Ｐゴシック" charset="0"/>
-              </a:defRPr>
-            </a:lvl4pPr>
-            <a:lvl5pPr marL="2057400" indent="-228600" eaLnBrk="0" hangingPunct="0">
-              <a:defRPr sz="2400">
-                <a:solidFill>
-                  <a:schemeClr val="tx1"/>
-                </a:solidFill>
-                <a:latin typeface="Calibri" charset="0"/>
-                <a:ea typeface="ＭＳ Ｐゴシック" charset="0"/>
-              </a:defRPr>
-            </a:lvl5pPr>
-            <a:lvl6pPr marL="2514600" indent="-228600" eaLnBrk="0" fontAlgn="base" hangingPunct="0">
-              <a:spcBef>
-                <a:spcPct val="0"/>
-              </a:spcBef>
-              <a:spcAft>
-                <a:spcPct val="0"/>
-              </a:spcAft>
-              <a:defRPr sz="2400">
-                <a:solidFill>
-                  <a:schemeClr val="tx1"/>
-                </a:solidFill>
-                <a:latin typeface="Calibri" charset="0"/>
-                <a:ea typeface="ＭＳ Ｐゴシック" charset="0"/>
-              </a:defRPr>
-            </a:lvl6pPr>
-            <a:lvl7pPr marL="2971800" indent="-228600" eaLnBrk="0" fontAlgn="base" hangingPunct="0">
-              <a:spcBef>
-                <a:spcPct val="0"/>
-              </a:spcBef>
-              <a:spcAft>
-                <a:spcPct val="0"/>
-              </a:spcAft>
-              <a:defRPr sz="2400">
-                <a:solidFill>
-                  <a:schemeClr val="tx1"/>
-                </a:solidFill>
-                <a:latin typeface="Calibri" charset="0"/>
-                <a:ea typeface="ＭＳ Ｐゴシック" charset="0"/>
-              </a:defRPr>
-            </a:lvl7pPr>
-            <a:lvl8pPr marL="3429000" indent="-228600" eaLnBrk="0" fontAlgn="base" hangingPunct="0">
-              <a:spcBef>
-                <a:spcPct val="0"/>
-              </a:spcBef>
-              <a:spcAft>
-                <a:spcPct val="0"/>
-              </a:spcAft>
-              <a:defRPr sz="2400">
-                <a:solidFill>
-                  <a:schemeClr val="tx1"/>
-                </a:solidFill>
-                <a:latin typeface="Calibri" charset="0"/>
-                <a:ea typeface="ＭＳ Ｐゴシック" charset="0"/>
-              </a:defRPr>
-            </a:lvl8pPr>
-            <a:lvl9pPr marL="3886200" indent="-228600" eaLnBrk="0" fontAlgn="base" hangingPunct="0">
-              <a:spcBef>
-                <a:spcPct val="0"/>
-              </a:spcBef>
-              <a:spcAft>
-                <a:spcPct val="0"/>
-              </a:spcAft>
-              <a:defRPr sz="2400">
-                <a:solidFill>
-                  <a:schemeClr val="tx1"/>
-                </a:solidFill>
-                <a:latin typeface="Calibri" charset="0"/>
-                <a:ea typeface="ＭＳ Ｐゴシック" charset="0"/>
-              </a:defRPr>
-            </a:lvl9pPr>
-          </a:lstStyle>
-          <a:p>
-            <a:pPr algn="r" eaLnBrk="1" hangingPunct="1"/>
-            <a:r>
-              <a:rPr lang="en-US" sz="3600" dirty="0" smtClean="0">
-                <a:solidFill>
-                  <a:srgbClr val="FFFF00"/>
-                </a:solidFill>
-                <a:latin typeface="Arial"/>
-                <a:cs typeface="Arial"/>
-              </a:rPr>
-              <a:t>SOD</a:t>
-            </a:r>
-          </a:p>
-        </p:txBody>
-      </p:sp>
-      <p:sp>
-        <p:nvSpPr>
-          <p:cNvPr id="9" name="TextBox 6"/>
-          <p:cNvSpPr txBox="1">
-            <a:spLocks noChangeArrowheads="1"/>
-          </p:cNvSpPr>
+          <a:lstStyle/>
+          <a:p>
+            <a:r>
+              <a:rPr lang="en-US" dirty="0" smtClean="0"/>
+              <a:t>Programming languages used for research</a:t>
+            </a:r>
+          </a:p>
+          <a:p>
+            <a:pPr marL="285750" indent="-285750">
+              <a:buFont typeface="Arial"/>
+              <a:buChar char="•"/>
+            </a:pPr>
+            <a:r>
+              <a:rPr lang="en-US" dirty="0" err="1" smtClean="0"/>
+              <a:t>Matlab</a:t>
+            </a:r>
+            <a:endParaRPr lang="en-US" dirty="0" smtClean="0"/>
+          </a:p>
+          <a:p>
+            <a:pPr marL="285750" indent="-285750">
+              <a:buFont typeface="Arial"/>
+              <a:buChar char="•"/>
+            </a:pPr>
+            <a:r>
+              <a:rPr lang="en-US" dirty="0" smtClean="0"/>
+              <a:t>Python</a:t>
+            </a:r>
+          </a:p>
+          <a:p>
+            <a:pPr marL="285750" indent="-285750">
+              <a:buFont typeface="Arial"/>
+              <a:buChar char="•"/>
+            </a:pPr>
+            <a:r>
+              <a:rPr lang="en-US" dirty="0" err="1" smtClean="0"/>
+              <a:t>Obspy</a:t>
+            </a:r>
+            <a:r>
+              <a:rPr lang="en-US" dirty="0" smtClean="0"/>
+              <a:t> to download data from IRIS</a:t>
+            </a:r>
+            <a:endParaRPr lang="en-US" dirty="0"/>
+          </a:p>
+        </p:txBody>
+      </p:sp>
+      <p:sp>
+        <p:nvSpPr>
+          <p:cNvPr id="3" name="TextBox 2"/>
+          <p:cNvSpPr txBox="1"/>
           <p:nvPr/>
         </p:nvSpPr>
-        <p:spPr bwMode="auto">
+        <p:spPr>
           <a:xfrm>
-            <a:off x="174625" y="690388"/>
-            <a:ext cx="3127375" cy="646331"/>
+            <a:off x="541867" y="3029716"/>
+            <a:ext cx="2201333" cy="1200329"/>
           </a:xfrm>
           <a:prstGeom prst="rect">
             <a:avLst/>
           </a:prstGeom>
-          <a:noFill/>
-          <a:ln>
-            <a:noFill/>
-          </a:ln>
-          <a:extLst>
-            <a:ext uri="{909E8E84-426E-40dd-AFC4-6F175D3DCCD1}">
-              <a14:hiddenFill xmlns:a14="http://schemas.microsoft.com/office/drawing/2010/main">
-                <a:solidFill>
-                  <a:srgbClr val="FFFFFF"/>
-                </a:solidFill>
-              </a14:hiddenFill>
-            </a:ext>
-            <a:ext uri="{91240B29-F687-4f45-9708-019B960494DF}">
-              <a14:hiddenLine xmlns:a14="http://schemas.microsoft.com/office/drawing/2010/main" w="9525">
-                <a:solidFill>
-                  <a:srgbClr val="000000"/>
-                </a:solidFill>
-                <a:miter lim="800000"/>
-                <a:headEnd/>
-                <a:tailEnd/>
-              </a14:hiddenLine>
-            </a:ext>
-          </a:extLst>
+          <a:solidFill>
+            <a:schemeClr val="accent4">
+              <a:lumMod val="60000"/>
+              <a:lumOff val="40000"/>
+            </a:schemeClr>
+          </a:solidFill>
         </p:spPr>
         <p:txBody>
-          <a:bodyPr wrap="square">
+          <a:bodyPr wrap="square" rtlCol="0">
             <a:spAutoFit/>
           </a:bodyPr>
-          <a:lstStyle>
-            <a:lvl1pPr eaLnBrk="0" hangingPunct="0">
-              <a:defRPr sz="2400">
-                <a:solidFill>
-                  <a:schemeClr val="tx1"/>
-                </a:solidFill>
-                <a:latin typeface="Calibri" charset="0"/>
-                <a:ea typeface="ＭＳ Ｐゴシック" charset="0"/>
-                <a:cs typeface="ＭＳ Ｐゴシック" charset="0"/>
-              </a:defRPr>
-            </a:lvl1pPr>
-            <a:lvl2pPr marL="742950" indent="-285750" eaLnBrk="0" hangingPunct="0">
-              <a:defRPr sz="2400">
-                <a:solidFill>
-                  <a:schemeClr val="tx1"/>
-                </a:solidFill>
-                <a:latin typeface="Calibri" charset="0"/>
-                <a:ea typeface="ＭＳ Ｐゴシック" charset="0"/>
-              </a:defRPr>
-            </a:lvl2pPr>
-            <a:lvl3pPr marL="1143000" indent="-228600" eaLnBrk="0" hangingPunct="0">
-              <a:defRPr sz="2400">
-                <a:solidFill>
-                  <a:schemeClr val="tx1"/>
-                </a:solidFill>
-                <a:latin typeface="Calibri" charset="0"/>
-                <a:ea typeface="ＭＳ Ｐゴシック" charset="0"/>
-              </a:defRPr>
-            </a:lvl3pPr>
-            <a:lvl4pPr marL="1600200" indent="-228600" eaLnBrk="0" hangingPunct="0">
-              <a:defRPr sz="2400">
-                <a:solidFill>
-                  <a:schemeClr val="tx1"/>
-                </a:solidFill>
-                <a:latin typeface="Calibri" charset="0"/>
-                <a:ea typeface="ＭＳ Ｐゴシック" charset="0"/>
-              </a:defRPr>
-            </a:lvl4pPr>
-            <a:lvl5pPr marL="2057400" indent="-228600" eaLnBrk="0" hangingPunct="0">
-              <a:defRPr sz="2400">
-                <a:solidFill>
-                  <a:schemeClr val="tx1"/>
-                </a:solidFill>
-                <a:latin typeface="Calibri" charset="0"/>
-                <a:ea typeface="ＭＳ Ｐゴシック" charset="0"/>
-              </a:defRPr>
-            </a:lvl5pPr>
-            <a:lvl6pPr marL="2514600" indent="-228600" eaLnBrk="0" fontAlgn="base" hangingPunct="0">
-              <a:spcBef>
-                <a:spcPct val="0"/>
-              </a:spcBef>
-              <a:spcAft>
-                <a:spcPct val="0"/>
-              </a:spcAft>
-              <a:defRPr sz="2400">
-                <a:solidFill>
-                  <a:schemeClr val="tx1"/>
-                </a:solidFill>
-                <a:latin typeface="Calibri" charset="0"/>
-                <a:ea typeface="ＭＳ Ｐゴシック" charset="0"/>
-              </a:defRPr>
-            </a:lvl6pPr>
-            <a:lvl7pPr marL="2971800" indent="-228600" eaLnBrk="0" fontAlgn="base" hangingPunct="0">
-              <a:spcBef>
-                <a:spcPct val="0"/>
-              </a:spcBef>
-              <a:spcAft>
-                <a:spcPct val="0"/>
-              </a:spcAft>
-              <a:defRPr sz="2400">
-                <a:solidFill>
-                  <a:schemeClr val="tx1"/>
-                </a:solidFill>
-                <a:latin typeface="Calibri" charset="0"/>
-                <a:ea typeface="ＭＳ Ｐゴシック" charset="0"/>
-              </a:defRPr>
-            </a:lvl7pPr>
-            <a:lvl8pPr marL="3429000" indent="-228600" eaLnBrk="0" fontAlgn="base" hangingPunct="0">
-              <a:spcBef>
-                <a:spcPct val="0"/>
-              </a:spcBef>
-              <a:spcAft>
-                <a:spcPct val="0"/>
-              </a:spcAft>
-              <a:defRPr sz="2400">
-                <a:solidFill>
-                  <a:schemeClr val="tx1"/>
-                </a:solidFill>
-                <a:latin typeface="Calibri" charset="0"/>
-                <a:ea typeface="ＭＳ Ｐゴシック" charset="0"/>
-              </a:defRPr>
-            </a:lvl8pPr>
-            <a:lvl9pPr marL="3886200" indent="-228600" eaLnBrk="0" fontAlgn="base" hangingPunct="0">
-              <a:spcBef>
-                <a:spcPct val="0"/>
-              </a:spcBef>
-              <a:spcAft>
-                <a:spcPct val="0"/>
-              </a:spcAft>
-              <a:defRPr sz="2400">
-                <a:solidFill>
-                  <a:schemeClr val="tx1"/>
-                </a:solidFill>
-                <a:latin typeface="Calibri" charset="0"/>
-                <a:ea typeface="ＭＳ Ｐゴシック" charset="0"/>
-              </a:defRPr>
-            </a:lvl9pPr>
-          </a:lstStyle>
-          <a:p>
-            <a:pPr algn="r" eaLnBrk="1" hangingPunct="1"/>
-            <a:r>
-              <a:rPr lang="en-US" sz="3600" dirty="0" err="1" smtClean="0">
-                <a:solidFill>
-                  <a:srgbClr val="FFFF00"/>
-                </a:solidFill>
-                <a:latin typeface="Arial"/>
-                <a:cs typeface="Arial"/>
-              </a:rPr>
-              <a:t>netdc</a:t>
-            </a:r>
-            <a:r>
-              <a:rPr lang="en-US" sz="3600" dirty="0" smtClean="0">
-                <a:solidFill>
-                  <a:srgbClr val="FFFF00"/>
-                </a:solidFill>
-                <a:latin typeface="Arial"/>
-                <a:cs typeface="Arial"/>
-              </a:rPr>
-              <a:t>/</a:t>
-            </a:r>
-            <a:r>
-              <a:rPr lang="en-US" sz="3600" dirty="0" err="1" smtClean="0">
-                <a:solidFill>
-                  <a:srgbClr val="FFFF00"/>
-                </a:solidFill>
-                <a:latin typeface="Arial"/>
-                <a:cs typeface="Arial"/>
-              </a:rPr>
-              <a:t>breqfast</a:t>
-            </a:r>
-            <a:endParaRPr lang="en-US" sz="3600" dirty="0" smtClean="0">
-              <a:solidFill>
-                <a:srgbClr val="FFFF00"/>
-              </a:solidFill>
-              <a:latin typeface="Arial"/>
-              <a:cs typeface="Arial"/>
-            </a:endParaRPr>
-          </a:p>
-        </p:txBody>
-      </p:sp>
-      <p:sp>
-        <p:nvSpPr>
-          <p:cNvPr id="10" name="TextBox 6"/>
-          <p:cNvSpPr txBox="1">
-            <a:spLocks noChangeArrowheads="1"/>
-          </p:cNvSpPr>
+          <a:lstStyle/>
+          <a:p>
+            <a:r>
+              <a:rPr lang="en-US" dirty="0" smtClean="0"/>
+              <a:t>Storing Data</a:t>
+            </a:r>
+          </a:p>
+          <a:p>
+            <a:pPr marL="285750" indent="-285750">
+              <a:buFont typeface="Arial"/>
+              <a:buChar char="•"/>
+            </a:pPr>
+            <a:r>
+              <a:rPr lang="en-US" dirty="0" smtClean="0"/>
+              <a:t>Microsoft excel</a:t>
+            </a:r>
+          </a:p>
+          <a:p>
+            <a:pPr marL="285750" indent="-285750">
+              <a:buFont typeface="Arial"/>
+              <a:buChar char="•"/>
+            </a:pPr>
+            <a:r>
+              <a:rPr lang="en-US" dirty="0" smtClean="0"/>
+              <a:t>SQL</a:t>
+            </a:r>
+          </a:p>
+          <a:p>
+            <a:pPr marL="285750" indent="-285750">
+              <a:buFont typeface="Arial"/>
+              <a:buChar char="•"/>
+            </a:pPr>
+            <a:r>
+              <a:rPr lang="en-US" dirty="0" err="1" smtClean="0"/>
+              <a:t>Matlab</a:t>
+            </a:r>
+            <a:r>
+              <a:rPr lang="en-US" dirty="0" smtClean="0"/>
+              <a:t> Data</a:t>
+            </a:r>
+          </a:p>
+        </p:txBody>
+      </p:sp>
+      <p:sp>
+        <p:nvSpPr>
+          <p:cNvPr id="4" name="TextBox 3"/>
+          <p:cNvSpPr txBox="1"/>
           <p:nvPr/>
         </p:nvSpPr>
-        <p:spPr bwMode="auto">
+        <p:spPr>
           <a:xfrm>
-            <a:off x="365125" y="1336719"/>
-            <a:ext cx="2936875" cy="646331"/>
+            <a:off x="3352801" y="406400"/>
+            <a:ext cx="3708400" cy="1477328"/>
           </a:xfrm>
           <a:prstGeom prst="rect">
             <a:avLst/>
           </a:prstGeom>
-          <a:noFill/>
-          <a:ln>
-            <a:noFill/>
-          </a:ln>
-          <a:extLst>
-            <a:ext uri="{909E8E84-426E-40dd-AFC4-6F175D3DCCD1}">
-              <a14:hiddenFill xmlns:a14="http://schemas.microsoft.com/office/drawing/2010/main">
-                <a:solidFill>
-                  <a:srgbClr val="FFFFFF"/>
-                </a:solidFill>
-              </a14:hiddenFill>
-            </a:ext>
-            <a:ext uri="{91240B29-F687-4f45-9708-019B960494DF}">
-              <a14:hiddenLine xmlns:a14="http://schemas.microsoft.com/office/drawing/2010/main" w="9525">
-                <a:solidFill>
-                  <a:srgbClr val="000000"/>
-                </a:solidFill>
-                <a:miter lim="800000"/>
-                <a:headEnd/>
-                <a:tailEnd/>
-              </a14:hiddenLine>
-            </a:ext>
-          </a:extLst>
+          <a:solidFill>
+            <a:schemeClr val="accent5">
+              <a:lumMod val="40000"/>
+              <a:lumOff val="60000"/>
+            </a:schemeClr>
+          </a:solidFill>
         </p:spPr>
         <p:txBody>
-          <a:bodyPr wrap="square">
+          <a:bodyPr wrap="square" rtlCol="0">
             <a:spAutoFit/>
           </a:bodyPr>
-          <a:lstStyle>
-            <a:lvl1pPr eaLnBrk="0" hangingPunct="0">
-              <a:defRPr sz="2400">
-                <a:solidFill>
-                  <a:schemeClr val="tx1"/>
-                </a:solidFill>
-                <a:latin typeface="Calibri" charset="0"/>
-                <a:ea typeface="ＭＳ Ｐゴシック" charset="0"/>
-                <a:cs typeface="ＭＳ Ｐゴシック" charset="0"/>
-              </a:defRPr>
-            </a:lvl1pPr>
-            <a:lvl2pPr marL="742950" indent="-285750" eaLnBrk="0" hangingPunct="0">
-              <a:defRPr sz="2400">
-                <a:solidFill>
-                  <a:schemeClr val="tx1"/>
-                </a:solidFill>
-                <a:latin typeface="Calibri" charset="0"/>
-                <a:ea typeface="ＭＳ Ｐゴシック" charset="0"/>
-              </a:defRPr>
-            </a:lvl2pPr>
-            <a:lvl3pPr marL="1143000" indent="-228600" eaLnBrk="0" hangingPunct="0">
-              <a:defRPr sz="2400">
-                <a:solidFill>
-                  <a:schemeClr val="tx1"/>
-                </a:solidFill>
-                <a:latin typeface="Calibri" charset="0"/>
-                <a:ea typeface="ＭＳ Ｐゴシック" charset="0"/>
-              </a:defRPr>
-            </a:lvl3pPr>
-            <a:lvl4pPr marL="1600200" indent="-228600" eaLnBrk="0" hangingPunct="0">
-              <a:defRPr sz="2400">
-                <a:solidFill>
-                  <a:schemeClr val="tx1"/>
-                </a:solidFill>
-                <a:latin typeface="Calibri" charset="0"/>
-                <a:ea typeface="ＭＳ Ｐゴシック" charset="0"/>
-              </a:defRPr>
-            </a:lvl4pPr>
-            <a:lvl5pPr marL="2057400" indent="-228600" eaLnBrk="0" hangingPunct="0">
-              <a:defRPr sz="2400">
-                <a:solidFill>
-                  <a:schemeClr val="tx1"/>
-                </a:solidFill>
-                <a:latin typeface="Calibri" charset="0"/>
-                <a:ea typeface="ＭＳ Ｐゴシック" charset="0"/>
-              </a:defRPr>
-            </a:lvl5pPr>
-            <a:lvl6pPr marL="2514600" indent="-228600" eaLnBrk="0" fontAlgn="base" hangingPunct="0">
-              <a:spcBef>
-                <a:spcPct val="0"/>
-              </a:spcBef>
-              <a:spcAft>
-                <a:spcPct val="0"/>
-              </a:spcAft>
-              <a:defRPr sz="2400">
-                <a:solidFill>
-                  <a:schemeClr val="tx1"/>
-                </a:solidFill>
-                <a:latin typeface="Calibri" charset="0"/>
-                <a:ea typeface="ＭＳ Ｐゴシック" charset="0"/>
-              </a:defRPr>
-            </a:lvl6pPr>
-            <a:lvl7pPr marL="2971800" indent="-228600" eaLnBrk="0" fontAlgn="base" hangingPunct="0">
-              <a:spcBef>
-                <a:spcPct val="0"/>
-              </a:spcBef>
-              <a:spcAft>
-                <a:spcPct val="0"/>
-              </a:spcAft>
-              <a:defRPr sz="2400">
-                <a:solidFill>
-                  <a:schemeClr val="tx1"/>
-                </a:solidFill>
-                <a:latin typeface="Calibri" charset="0"/>
-                <a:ea typeface="ＭＳ Ｐゴシック" charset="0"/>
-              </a:defRPr>
-            </a:lvl7pPr>
-            <a:lvl8pPr marL="3429000" indent="-228600" eaLnBrk="0" fontAlgn="base" hangingPunct="0">
-              <a:spcBef>
-                <a:spcPct val="0"/>
-              </a:spcBef>
-              <a:spcAft>
-                <a:spcPct val="0"/>
-              </a:spcAft>
-              <a:defRPr sz="2400">
-                <a:solidFill>
-                  <a:schemeClr val="tx1"/>
-                </a:solidFill>
-                <a:latin typeface="Calibri" charset="0"/>
-                <a:ea typeface="ＭＳ Ｐゴシック" charset="0"/>
-              </a:defRPr>
-            </a:lvl8pPr>
-            <a:lvl9pPr marL="3886200" indent="-228600" eaLnBrk="0" fontAlgn="base" hangingPunct="0">
-              <a:spcBef>
-                <a:spcPct val="0"/>
-              </a:spcBef>
-              <a:spcAft>
-                <a:spcPct val="0"/>
-              </a:spcAft>
-              <a:defRPr sz="2400">
-                <a:solidFill>
-                  <a:schemeClr val="tx1"/>
-                </a:solidFill>
-                <a:latin typeface="Calibri" charset="0"/>
-                <a:ea typeface="ＭＳ Ｐゴシック" charset="0"/>
-              </a:defRPr>
-            </a:lvl9pPr>
-          </a:lstStyle>
-          <a:p>
-            <a:pPr algn="r" eaLnBrk="1" hangingPunct="1"/>
-            <a:r>
-              <a:rPr lang="en-US" sz="3600" dirty="0" err="1" smtClean="0">
-                <a:solidFill>
-                  <a:srgbClr val="FFFF00"/>
-                </a:solidFill>
-                <a:latin typeface="Arial"/>
-                <a:cs typeface="Arial"/>
-              </a:rPr>
-              <a:t>webservices</a:t>
-            </a:r>
-            <a:endParaRPr lang="en-US" sz="3600" dirty="0" smtClean="0">
-              <a:solidFill>
-                <a:srgbClr val="FFFF00"/>
-              </a:solidFill>
-              <a:latin typeface="Arial"/>
-              <a:cs typeface="Arial"/>
-            </a:endParaRPr>
-          </a:p>
-        </p:txBody>
-      </p:sp>
-      <p:sp>
-        <p:nvSpPr>
-          <p:cNvPr id="11" name="Right Arrow 10"/>
-          <p:cNvSpPr/>
-          <p:nvPr/>
-        </p:nvSpPr>
-        <p:spPr>
-          <a:xfrm rot="1595338">
-            <a:off x="3477065" y="497968"/>
-            <a:ext cx="1130641" cy="241641"/>
-          </a:xfrm>
-          <a:prstGeom prst="rightArrow">
-            <a:avLst>
-              <a:gd name="adj1" fmla="val 21970"/>
-              <a:gd name="adj2" fmla="val 85039"/>
-            </a:avLst>
-          </a:prstGeom>
-          <a:solidFill>
-            <a:srgbClr val="FFFF00"/>
-          </a:solidFill>
-          <a:ln>
-            <a:solidFill>
-              <a:srgbClr val="FFFF00"/>
-            </a:solidFill>
-          </a:ln>
-        </p:spPr>
-        <p:style>
-          <a:lnRef idx="1">
-            <a:schemeClr val="accent1"/>
-          </a:lnRef>
-          <a:fillRef idx="3">
-            <a:schemeClr val="accent1"/>
-          </a:fillRef>
-          <a:effectRef idx="2">
-            <a:schemeClr val="accent1"/>
-          </a:effectRef>
-          <a:fontRef idx="minor">
-            <a:schemeClr val="lt1"/>
-          </a:fontRef>
-        </p:style>
-        <p:txBody>
-          <a:bodyPr rtlCol="0" anchor="ctr"/>
-          <a:lstStyle/>
-          <a:p>
-            <a:pPr algn="ctr"/>
-            <a:endParaRPr lang="en-US"/>
-          </a:p>
-        </p:txBody>
-      </p:sp>
-      <p:sp>
-        <p:nvSpPr>
-          <p:cNvPr id="12" name="Right Arrow 11"/>
-          <p:cNvSpPr/>
-          <p:nvPr/>
-        </p:nvSpPr>
-        <p:spPr>
-          <a:xfrm rot="20252206">
-            <a:off x="3468084" y="1428337"/>
-            <a:ext cx="1130641" cy="241641"/>
-          </a:xfrm>
-          <a:prstGeom prst="rightArrow">
-            <a:avLst>
-              <a:gd name="adj1" fmla="val 21970"/>
-              <a:gd name="adj2" fmla="val 85039"/>
-            </a:avLst>
-          </a:prstGeom>
-          <a:solidFill>
-            <a:srgbClr val="FFFF00"/>
-          </a:solidFill>
-          <a:ln>
-            <a:solidFill>
-              <a:srgbClr val="FFFF00"/>
-            </a:solidFill>
-          </a:ln>
-        </p:spPr>
-        <p:style>
-          <a:lnRef idx="1">
-            <a:schemeClr val="accent1"/>
-          </a:lnRef>
-          <a:fillRef idx="3">
-            <a:schemeClr val="accent1"/>
-          </a:fillRef>
-          <a:effectRef idx="2">
-            <a:schemeClr val="accent1"/>
-          </a:effectRef>
-          <a:fontRef idx="minor">
-            <a:schemeClr val="lt1"/>
-          </a:fontRef>
-        </p:style>
-        <p:txBody>
-          <a:bodyPr rtlCol="0" anchor="ctr"/>
-          <a:lstStyle/>
-          <a:p>
-            <a:pPr algn="ctr"/>
-            <a:endParaRPr lang="en-US"/>
-          </a:p>
-        </p:txBody>
-      </p:sp>
-      <p:sp>
-        <p:nvSpPr>
-          <p:cNvPr id="13" name="Right Arrow 12"/>
-          <p:cNvSpPr/>
+          <a:lstStyle/>
+          <a:p>
+            <a:r>
+              <a:rPr lang="en-US" dirty="0" smtClean="0"/>
+              <a:t>Past Research</a:t>
+            </a:r>
+          </a:p>
+          <a:p>
+            <a:pPr marL="285750" indent="-285750">
+              <a:buFont typeface="Arial"/>
+              <a:buChar char="•"/>
+            </a:pPr>
+            <a:r>
+              <a:rPr lang="en-US" dirty="0" smtClean="0"/>
+              <a:t>Cluster Analysis on Volcanic Vents</a:t>
+            </a:r>
+          </a:p>
+          <a:p>
+            <a:pPr marL="285750" indent="-285750">
+              <a:buFont typeface="Arial"/>
+              <a:buChar char="•"/>
+            </a:pPr>
+            <a:r>
+              <a:rPr lang="en-US" dirty="0" smtClean="0"/>
+              <a:t>Making software for seismic wave analysis more user friendly</a:t>
+            </a:r>
+          </a:p>
+          <a:p>
+            <a:pPr marL="285750" indent="-285750">
+              <a:buFont typeface="Arial"/>
+              <a:buChar char="•"/>
+            </a:pPr>
+            <a:r>
+              <a:rPr lang="en-US" dirty="0" smtClean="0"/>
+              <a:t>Picking out seismic events </a:t>
+            </a:r>
+            <a:endParaRPr lang="en-US" dirty="0"/>
+          </a:p>
+        </p:txBody>
+      </p:sp>
+      <p:sp>
+        <p:nvSpPr>
+          <p:cNvPr id="5" name="TextBox 4"/>
+          <p:cNvSpPr txBox="1"/>
           <p:nvPr/>
         </p:nvSpPr>
         <p:spPr>
           <a:xfrm>
-            <a:off x="3371679" y="979861"/>
-            <a:ext cx="1130641" cy="241641"/>
-          </a:xfrm>
-          <a:prstGeom prst="rightArrow">
-            <a:avLst>
-              <a:gd name="adj1" fmla="val 21970"/>
-              <a:gd name="adj2" fmla="val 85039"/>
-            </a:avLst>
-          </a:prstGeom>
-          <a:solidFill>
-            <a:srgbClr val="FFFF00"/>
-          </a:solidFill>
-          <a:ln>
-            <a:solidFill>
-              <a:srgbClr val="FFFF00"/>
-            </a:solidFill>
-          </a:ln>
-        </p:spPr>
-        <p:style>
-          <a:lnRef idx="1">
-            <a:schemeClr val="accent1"/>
-          </a:lnRef>
-          <a:fillRef idx="3">
-            <a:schemeClr val="accent1"/>
-          </a:fillRef>
-          <a:effectRef idx="2">
-            <a:schemeClr val="accent1"/>
-          </a:effectRef>
-          <a:fontRef idx="minor">
-            <a:schemeClr val="lt1"/>
-          </a:fontRef>
-        </p:style>
-        <p:txBody>
-          <a:bodyPr rtlCol="0" anchor="ctr"/>
-          <a:lstStyle/>
-          <a:p>
-            <a:pPr algn="ctr"/>
-            <a:endParaRPr lang="en-US"/>
-          </a:p>
-        </p:txBody>
-      </p:sp>
-      <p:sp>
-        <p:nvSpPr>
-          <p:cNvPr id="14" name="TextBox 6"/>
-          <p:cNvSpPr txBox="1">
-            <a:spLocks noChangeArrowheads="1"/>
-          </p:cNvSpPr>
-          <p:nvPr/>
-        </p:nvSpPr>
-        <p:spPr bwMode="auto">
-          <a:xfrm>
-            <a:off x="4787756" y="482597"/>
-            <a:ext cx="3957804" cy="1200329"/>
+            <a:off x="2946399" y="5449669"/>
+            <a:ext cx="4741333" cy="1200329"/>
           </a:xfrm>
           <a:prstGeom prst="rect">
             <a:avLst/>
           </a:prstGeom>
-          <a:noFill/>
-          <a:ln>
-            <a:noFill/>
-          </a:ln>
-          <a:extLst>
-            <a:ext uri="{909E8E84-426E-40dd-AFC4-6F175D3DCCD1}">
-              <a14:hiddenFill xmlns:a14="http://schemas.microsoft.com/office/drawing/2010/main">
-                <a:solidFill>
-                  <a:srgbClr val="FFFFFF"/>
-                </a:solidFill>
-              </a14:hiddenFill>
-            </a:ext>
-            <a:ext uri="{91240B29-F687-4f45-9708-019B960494DF}">
-              <a14:hiddenLine xmlns:a14="http://schemas.microsoft.com/office/drawing/2010/main" w="9525">
-                <a:solidFill>
-                  <a:srgbClr val="000000"/>
-                </a:solidFill>
-                <a:miter lim="800000"/>
-                <a:headEnd/>
-                <a:tailEnd/>
-              </a14:hiddenLine>
-            </a:ext>
-          </a:extLst>
+          <a:solidFill>
+            <a:schemeClr val="accent3">
+              <a:lumMod val="60000"/>
+              <a:lumOff val="40000"/>
+            </a:schemeClr>
+          </a:solidFill>
         </p:spPr>
         <p:txBody>
-          <a:bodyPr wrap="square">
+          <a:bodyPr wrap="square" rtlCol="0">
             <a:spAutoFit/>
           </a:bodyPr>
-          <a:lstStyle>
-            <a:lvl1pPr eaLnBrk="0" hangingPunct="0">
-              <a:defRPr sz="2400">
-                <a:solidFill>
-                  <a:schemeClr val="tx1"/>
-                </a:solidFill>
-                <a:latin typeface="Calibri" charset="0"/>
-                <a:ea typeface="ＭＳ Ｐゴシック" charset="0"/>
-                <a:cs typeface="ＭＳ Ｐゴシック" charset="0"/>
-              </a:defRPr>
-            </a:lvl1pPr>
-            <a:lvl2pPr marL="742950" indent="-285750" eaLnBrk="0" hangingPunct="0">
-              <a:defRPr sz="2400">
-                <a:solidFill>
-                  <a:schemeClr val="tx1"/>
-                </a:solidFill>
-                <a:latin typeface="Calibri" charset="0"/>
-                <a:ea typeface="ＭＳ Ｐゴシック" charset="0"/>
-              </a:defRPr>
-            </a:lvl2pPr>
-            <a:lvl3pPr marL="1143000" indent="-228600" eaLnBrk="0" hangingPunct="0">
-              <a:defRPr sz="2400">
-                <a:solidFill>
-                  <a:schemeClr val="tx1"/>
-                </a:solidFill>
-                <a:latin typeface="Calibri" charset="0"/>
-                <a:ea typeface="ＭＳ Ｐゴシック" charset="0"/>
-              </a:defRPr>
-            </a:lvl3pPr>
-            <a:lvl4pPr marL="1600200" indent="-228600" eaLnBrk="0" hangingPunct="0">
-              <a:defRPr sz="2400">
-                <a:solidFill>
-                  <a:schemeClr val="tx1"/>
-                </a:solidFill>
-                <a:latin typeface="Calibri" charset="0"/>
-                <a:ea typeface="ＭＳ Ｐゴシック" charset="0"/>
-              </a:defRPr>
-            </a:lvl4pPr>
-            <a:lvl5pPr marL="2057400" indent="-228600" eaLnBrk="0" hangingPunct="0">
-              <a:defRPr sz="2400">
-                <a:solidFill>
-                  <a:schemeClr val="tx1"/>
-                </a:solidFill>
-                <a:latin typeface="Calibri" charset="0"/>
-                <a:ea typeface="ＭＳ Ｐゴシック" charset="0"/>
-              </a:defRPr>
-            </a:lvl5pPr>
-            <a:lvl6pPr marL="2514600" indent="-228600" eaLnBrk="0" fontAlgn="base" hangingPunct="0">
-              <a:spcBef>
-                <a:spcPct val="0"/>
-              </a:spcBef>
-              <a:spcAft>
-                <a:spcPct val="0"/>
-              </a:spcAft>
-              <a:defRPr sz="2400">
-                <a:solidFill>
-                  <a:schemeClr val="tx1"/>
-                </a:solidFill>
-                <a:latin typeface="Calibri" charset="0"/>
-                <a:ea typeface="ＭＳ Ｐゴシック" charset="0"/>
-              </a:defRPr>
-            </a:lvl6pPr>
-            <a:lvl7pPr marL="2971800" indent="-228600" eaLnBrk="0" fontAlgn="base" hangingPunct="0">
-              <a:spcBef>
-                <a:spcPct val="0"/>
-              </a:spcBef>
-              <a:spcAft>
-                <a:spcPct val="0"/>
-              </a:spcAft>
-              <a:defRPr sz="2400">
-                <a:solidFill>
-                  <a:schemeClr val="tx1"/>
-                </a:solidFill>
-                <a:latin typeface="Calibri" charset="0"/>
-                <a:ea typeface="ＭＳ Ｐゴシック" charset="0"/>
-              </a:defRPr>
-            </a:lvl7pPr>
-            <a:lvl8pPr marL="3429000" indent="-228600" eaLnBrk="0" fontAlgn="base" hangingPunct="0">
-              <a:spcBef>
-                <a:spcPct val="0"/>
-              </a:spcBef>
-              <a:spcAft>
-                <a:spcPct val="0"/>
-              </a:spcAft>
-              <a:defRPr sz="2400">
-                <a:solidFill>
-                  <a:schemeClr val="tx1"/>
-                </a:solidFill>
-                <a:latin typeface="Calibri" charset="0"/>
-                <a:ea typeface="ＭＳ Ｐゴシック" charset="0"/>
-              </a:defRPr>
-            </a:lvl8pPr>
-            <a:lvl9pPr marL="3886200" indent="-228600" eaLnBrk="0" fontAlgn="base" hangingPunct="0">
-              <a:spcBef>
-                <a:spcPct val="0"/>
-              </a:spcBef>
-              <a:spcAft>
-                <a:spcPct val="0"/>
-              </a:spcAft>
-              <a:defRPr sz="2400">
-                <a:solidFill>
-                  <a:schemeClr val="tx1"/>
-                </a:solidFill>
-                <a:latin typeface="Calibri" charset="0"/>
-                <a:ea typeface="ＭＳ Ｐゴシック" charset="0"/>
-              </a:defRPr>
-            </a:lvl9pPr>
-          </a:lstStyle>
-          <a:p>
-            <a:pPr algn="ctr" eaLnBrk="1" hangingPunct="1"/>
-            <a:r>
-              <a:rPr lang="en-US" sz="3600" dirty="0" smtClean="0">
-                <a:solidFill>
-                  <a:srgbClr val="FFFF00"/>
-                </a:solidFill>
-                <a:latin typeface="Arial"/>
-                <a:cs typeface="Arial"/>
-              </a:rPr>
-              <a:t>local filing system/processing</a:t>
-            </a:r>
-          </a:p>
-        </p:txBody>
-      </p:sp>
-      <p:sp>
-        <p:nvSpPr>
-          <p:cNvPr id="15" name="Right Arrow 14"/>
-          <p:cNvSpPr/>
+          <a:lstStyle/>
+          <a:p>
+            <a:r>
+              <a:rPr lang="en-US" dirty="0" smtClean="0"/>
+              <a:t>Currently</a:t>
+            </a:r>
+          </a:p>
+          <a:p>
+            <a:pPr marL="285750" indent="-285750">
+              <a:buFont typeface="Arial"/>
+              <a:buChar char="•"/>
+            </a:pPr>
+            <a:r>
+              <a:rPr lang="en-US" dirty="0" smtClean="0"/>
+              <a:t>Making other peoples’ work more rigorous by writing proofs</a:t>
+            </a:r>
+          </a:p>
+          <a:p>
+            <a:pPr marL="285750" indent="-285750">
+              <a:buFont typeface="Arial"/>
+              <a:buChar char="•"/>
+            </a:pPr>
+            <a:r>
+              <a:rPr lang="en-US" i="1" dirty="0" smtClean="0"/>
+              <a:t>Researching how to get around a new city.. </a:t>
+            </a:r>
+            <a:endParaRPr lang="en-US" i="1" dirty="0"/>
+          </a:p>
+        </p:txBody>
+      </p:sp>
+      <p:cxnSp>
+        <p:nvCxnSpPr>
+          <p:cNvPr id="7" name="Straight Arrow Connector 6"/>
+          <p:cNvCxnSpPr>
+            <a:stCxn id="4" idx="1"/>
+            <a:endCxn id="3" idx="0"/>
+          </p:cNvCxnSpPr>
           <p:nvPr/>
-        </p:nvSpPr>
+        </p:nvCxnSpPr>
         <p:spPr>
-          <a:xfrm rot="4010534">
-            <a:off x="1889820" y="2205610"/>
-            <a:ext cx="803446" cy="241641"/>
+          <a:xfrm flipH="1">
+            <a:off x="1642534" y="1145064"/>
+            <a:ext cx="1710267" cy="1884652"/>
           </a:xfrm>
-          <a:prstGeom prst="rightArrow">
-            <a:avLst>
-              <a:gd name="adj1" fmla="val 21970"/>
-              <a:gd name="adj2" fmla="val 85039"/>
-            </a:avLst>
+          <a:prstGeom prst="straightConnector1">
+            <a:avLst/>
           </a:prstGeom>
-          <a:solidFill>
-            <a:srgbClr val="FFFF00"/>
-          </a:solidFill>
-          <a:ln>
+          <a:ln w="38100" cmpd="sng">
             <a:solidFill>
-              <a:srgbClr val="FFFF00"/>
+              <a:srgbClr val="000000"/>
             </a:solidFill>
+            <a:tailEnd type="arrow"/>
           </a:ln>
         </p:spPr>
         <p:style>
-          <a:lnRef idx="1">
+          <a:lnRef idx="2">
             <a:schemeClr val="accent1"/>
           </a:lnRef>
-          <a:fillRef idx="3">
+          <a:fillRef idx="0">
             <a:schemeClr val="accent1"/>
           </a:fillRef>
-          <a:effectRef idx="2">
+          <a:effectRef idx="1">
             <a:schemeClr val="accent1"/>
           </a:effectRef>
           <a:fontRef idx="minor">
-            <a:schemeClr val="lt1"/>
+            <a:schemeClr val="tx1"/>
           </a:fontRef>
         </p:style>
-        <p:txBody>
-          <a:bodyPr rtlCol="0" anchor="ctr"/>
-          <a:lstStyle/>
-          <a:p>
-            <a:pPr algn="ctr"/>
-            <a:endParaRPr lang="en-US"/>
-          </a:p>
-        </p:txBody>
-      </p:sp>
-      <p:sp>
-        <p:nvSpPr>
-          <p:cNvPr id="18" name="TextBox 6"/>
-          <p:cNvSpPr txBox="1">
-            <a:spLocks noChangeArrowheads="1"/>
-          </p:cNvSpPr>
+      </p:cxnSp>
+      <p:cxnSp>
+        <p:nvCxnSpPr>
+          <p:cNvPr id="8" name="Straight Arrow Connector 7"/>
+          <p:cNvCxnSpPr/>
           <p:nvPr/>
-        </p:nvSpPr>
-        <p:spPr bwMode="auto">
+        </p:nvCxnSpPr>
+        <p:spPr>
           <a:xfrm>
-            <a:off x="0" y="2709434"/>
-            <a:ext cx="5160422" cy="1200329"/>
+            <a:off x="4199467" y="1883728"/>
+            <a:ext cx="508000" cy="1145988"/>
           </a:xfrm>
-          <a:prstGeom prst="rect">
+          <a:prstGeom prst="straightConnector1">
             <a:avLst/>
           </a:prstGeom>
-          <a:noFill/>
-          <a:ln>
-            <a:noFill/>
-          </a:ln>
-          <a:extLst>
-            <a:ext uri="{909E8E84-426E-40dd-AFC4-6F175D3DCCD1}">
-              <a14:hiddenFill xmlns:a14="http://schemas.microsoft.com/office/drawing/2010/main">
-                <a:solidFill>
-                  <a:srgbClr val="FFFFFF"/>
-                </a:solidFill>
-              </a14:hiddenFill>
-            </a:ext>
-            <a:ext uri="{91240B29-F687-4f45-9708-019B960494DF}">
-              <a14:hiddenLine xmlns:a14="http://schemas.microsoft.com/office/drawing/2010/main" w="9525">
-                <a:solidFill>
-                  <a:srgbClr val="000000"/>
-                </a:solidFill>
-                <a:miter lim="800000"/>
-                <a:headEnd/>
-                <a:tailEnd/>
-              </a14:hiddenLine>
-            </a:ext>
-          </a:extLst>
-        </p:spPr>
-        <p:txBody>
-          <a:bodyPr wrap="square">
-            <a:spAutoFit/>
-          </a:bodyPr>
-          <a:lstStyle>
-            <a:lvl1pPr eaLnBrk="0" hangingPunct="0">
-              <a:defRPr sz="2400">
-                <a:solidFill>
-                  <a:schemeClr val="tx1"/>
-                </a:solidFill>
-                <a:latin typeface="Calibri" charset="0"/>
-                <a:ea typeface="ＭＳ Ｐゴシック" charset="0"/>
-                <a:cs typeface="ＭＳ Ｐゴシック" charset="0"/>
-              </a:defRPr>
-            </a:lvl1pPr>
-            <a:lvl2pPr marL="742950" indent="-285750" eaLnBrk="0" hangingPunct="0">
-              <a:defRPr sz="2400">
-                <a:solidFill>
-                  <a:schemeClr val="tx1"/>
-                </a:solidFill>
-                <a:latin typeface="Calibri" charset="0"/>
-                <a:ea typeface="ＭＳ Ｐゴシック" charset="0"/>
-              </a:defRPr>
-            </a:lvl2pPr>
-            <a:lvl3pPr marL="1143000" indent="-228600" eaLnBrk="0" hangingPunct="0">
-              <a:defRPr sz="2400">
-                <a:solidFill>
-                  <a:schemeClr val="tx1"/>
-                </a:solidFill>
-                <a:latin typeface="Calibri" charset="0"/>
-                <a:ea typeface="ＭＳ Ｐゴシック" charset="0"/>
-              </a:defRPr>
-            </a:lvl3pPr>
-            <a:lvl4pPr marL="1600200" indent="-228600" eaLnBrk="0" hangingPunct="0">
-              <a:defRPr sz="2400">
-                <a:solidFill>
-                  <a:schemeClr val="tx1"/>
-                </a:solidFill>
-                <a:latin typeface="Calibri" charset="0"/>
-                <a:ea typeface="ＭＳ Ｐゴシック" charset="0"/>
-              </a:defRPr>
-            </a:lvl4pPr>
-            <a:lvl5pPr marL="2057400" indent="-228600" eaLnBrk="0" hangingPunct="0">
-              <a:defRPr sz="2400">
-                <a:solidFill>
-                  <a:schemeClr val="tx1"/>
-                </a:solidFill>
-                <a:latin typeface="Calibri" charset="0"/>
-                <a:ea typeface="ＭＳ Ｐゴシック" charset="0"/>
-              </a:defRPr>
-            </a:lvl5pPr>
-            <a:lvl6pPr marL="2514600" indent="-228600" eaLnBrk="0" fontAlgn="base" hangingPunct="0">
-              <a:spcBef>
-                <a:spcPct val="0"/>
-              </a:spcBef>
-              <a:spcAft>
-                <a:spcPct val="0"/>
-              </a:spcAft>
-              <a:defRPr sz="2400">
-                <a:solidFill>
-                  <a:schemeClr val="tx1"/>
-                </a:solidFill>
-                <a:latin typeface="Calibri" charset="0"/>
-                <a:ea typeface="ＭＳ Ｐゴシック" charset="0"/>
-              </a:defRPr>
-            </a:lvl6pPr>
-            <a:lvl7pPr marL="2971800" indent="-228600" eaLnBrk="0" fontAlgn="base" hangingPunct="0">
-              <a:spcBef>
-                <a:spcPct val="0"/>
-              </a:spcBef>
-              <a:spcAft>
-                <a:spcPct val="0"/>
-              </a:spcAft>
-              <a:defRPr sz="2400">
-                <a:solidFill>
-                  <a:schemeClr val="tx1"/>
-                </a:solidFill>
-                <a:latin typeface="Calibri" charset="0"/>
-                <a:ea typeface="ＭＳ Ｐゴシック" charset="0"/>
-              </a:defRPr>
-            </a:lvl7pPr>
-            <a:lvl8pPr marL="3429000" indent="-228600" eaLnBrk="0" fontAlgn="base" hangingPunct="0">
-              <a:spcBef>
-                <a:spcPct val="0"/>
-              </a:spcBef>
-              <a:spcAft>
-                <a:spcPct val="0"/>
-              </a:spcAft>
-              <a:defRPr sz="2400">
-                <a:solidFill>
-                  <a:schemeClr val="tx1"/>
-                </a:solidFill>
-                <a:latin typeface="Calibri" charset="0"/>
-                <a:ea typeface="ＭＳ Ｐゴシック" charset="0"/>
-              </a:defRPr>
-            </a:lvl8pPr>
-            <a:lvl9pPr marL="3886200" indent="-228600" eaLnBrk="0" fontAlgn="base" hangingPunct="0">
-              <a:spcBef>
-                <a:spcPct val="0"/>
-              </a:spcBef>
-              <a:spcAft>
-                <a:spcPct val="0"/>
-              </a:spcAft>
-              <a:defRPr sz="2400">
-                <a:solidFill>
-                  <a:schemeClr val="tx1"/>
-                </a:solidFill>
-                <a:latin typeface="Calibri" charset="0"/>
-                <a:ea typeface="ＭＳ Ｐゴシック" charset="0"/>
-              </a:defRPr>
-            </a:lvl9pPr>
-          </a:lstStyle>
-          <a:p>
-            <a:pPr algn="ctr" eaLnBrk="1" hangingPunct="1"/>
-            <a:r>
-              <a:rPr lang="en-US" sz="3600" dirty="0" smtClean="0">
-                <a:solidFill>
-                  <a:srgbClr val="FFFF00"/>
-                </a:solidFill>
-                <a:latin typeface="Arial"/>
-                <a:cs typeface="Arial"/>
-              </a:rPr>
-              <a:t>Community software (e.g. PQLX)</a:t>
-            </a:r>
-          </a:p>
-        </p:txBody>
-      </p:sp>
-      <p:sp>
-        <p:nvSpPr>
-          <p:cNvPr id="20" name="Bent Arrow 19"/>
-          <p:cNvSpPr/>
-          <p:nvPr/>
-        </p:nvSpPr>
-        <p:spPr>
-          <a:xfrm rot="7255220">
-            <a:off x="6323089" y="2158310"/>
-            <a:ext cx="1412469" cy="459208"/>
-          </a:xfrm>
-          <a:prstGeom prst="bentArrow">
-            <a:avLst>
-              <a:gd name="adj1" fmla="val 13488"/>
-              <a:gd name="adj2" fmla="val 28249"/>
-              <a:gd name="adj3" fmla="val 49531"/>
-              <a:gd name="adj4" fmla="val 82509"/>
-            </a:avLst>
-          </a:prstGeom>
-          <a:solidFill>
-            <a:srgbClr val="FFFF00"/>
-          </a:solidFill>
-          <a:ln>
+          <a:ln w="38100" cmpd="sng">
             <a:solidFill>
-              <a:srgbClr val="FFFF00"/>
+              <a:srgbClr val="000000"/>
             </a:solidFill>
+            <a:tailEnd type="arrow"/>
           </a:ln>
         </p:spPr>
         <p:style>
-          <a:lnRef idx="1">
+          <a:lnRef idx="2">
             <a:schemeClr val="accent1"/>
           </a:lnRef>
-          <a:fillRef idx="3">
+          <a:fillRef idx="0">
             <a:schemeClr val="accent1"/>
           </a:fillRef>
-          <a:effectRef idx="2">
+          <a:effectRef idx="1">
             <a:schemeClr val="accent1"/>
           </a:effectRef>
           <a:fontRef idx="minor">
-            <a:schemeClr val="lt1"/>
+            <a:schemeClr val="tx1"/>
           </a:fontRef>
         </p:style>
-        <p:txBody>
-          <a:bodyPr rtlCol="0" anchor="ctr"/>
-          <a:lstStyle/>
-          <a:p>
-            <a:pPr algn="ctr"/>
-            <a:endParaRPr lang="en-US">
-              <a:solidFill>
-                <a:schemeClr val="tx1"/>
-              </a:solidFill>
-            </a:endParaRPr>
-          </a:p>
-        </p:txBody>
-      </p:sp>
-      <p:sp>
-        <p:nvSpPr>
-          <p:cNvPr id="22" name="TextBox 6"/>
-          <p:cNvSpPr txBox="1">
-            <a:spLocks noChangeArrowheads="1"/>
-          </p:cNvSpPr>
+      </p:cxnSp>
+      <p:cxnSp>
+        <p:nvCxnSpPr>
+          <p:cNvPr id="11" name="Straight Arrow Connector 10"/>
+          <p:cNvCxnSpPr/>
           <p:nvPr/>
-        </p:nvSpPr>
-        <p:spPr bwMode="auto">
-          <a:xfrm>
-            <a:off x="4669225" y="3064237"/>
-            <a:ext cx="4356244" cy="1200329"/>
+        </p:nvCxnSpPr>
+        <p:spPr>
+          <a:xfrm flipH="1">
+            <a:off x="3801532" y="1883728"/>
+            <a:ext cx="1" cy="3565941"/>
           </a:xfrm>
-          <a:prstGeom prst="rect">
+          <a:prstGeom prst="straightConnector1">
             <a:avLst/>
           </a:prstGeom>
-          <a:noFill/>
-          <a:ln>
-            <a:noFill/>
-          </a:ln>
-          <a:extLst>
-            <a:ext uri="{909E8E84-426E-40dd-AFC4-6F175D3DCCD1}">
-              <a14:hiddenFill xmlns:a14="http://schemas.microsoft.com/office/drawing/2010/main">
-                <a:solidFill>
-                  <a:srgbClr val="FFFFFF"/>
-                </a:solidFill>
-              </a14:hiddenFill>
-            </a:ext>
-            <a:ext uri="{91240B29-F687-4f45-9708-019B960494DF}">
-              <a14:hiddenLine xmlns:a14="http://schemas.microsoft.com/office/drawing/2010/main" w="9525">
-                <a:solidFill>
-                  <a:srgbClr val="000000"/>
-                </a:solidFill>
-                <a:miter lim="800000"/>
-                <a:headEnd/>
-                <a:tailEnd/>
-              </a14:hiddenLine>
-            </a:ext>
-          </a:extLst>
-        </p:spPr>
-        <p:txBody>
-          <a:bodyPr wrap="square">
-            <a:spAutoFit/>
-          </a:bodyPr>
-          <a:lstStyle>
-            <a:lvl1pPr eaLnBrk="0" hangingPunct="0">
-              <a:defRPr sz="2400">
-                <a:solidFill>
-                  <a:schemeClr val="tx1"/>
-                </a:solidFill>
-                <a:latin typeface="Calibri" charset="0"/>
-                <a:ea typeface="ＭＳ Ｐゴシック" charset="0"/>
-                <a:cs typeface="ＭＳ Ｐゴシック" charset="0"/>
-              </a:defRPr>
-            </a:lvl1pPr>
-            <a:lvl2pPr marL="742950" indent="-285750" eaLnBrk="0" hangingPunct="0">
-              <a:defRPr sz="2400">
-                <a:solidFill>
-                  <a:schemeClr val="tx1"/>
-                </a:solidFill>
-                <a:latin typeface="Calibri" charset="0"/>
-                <a:ea typeface="ＭＳ Ｐゴシック" charset="0"/>
-              </a:defRPr>
-            </a:lvl2pPr>
-            <a:lvl3pPr marL="1143000" indent="-228600" eaLnBrk="0" hangingPunct="0">
-              <a:defRPr sz="2400">
-                <a:solidFill>
-                  <a:schemeClr val="tx1"/>
-                </a:solidFill>
-                <a:latin typeface="Calibri" charset="0"/>
-                <a:ea typeface="ＭＳ Ｐゴシック" charset="0"/>
-              </a:defRPr>
-            </a:lvl3pPr>
-            <a:lvl4pPr marL="1600200" indent="-228600" eaLnBrk="0" hangingPunct="0">
-              <a:defRPr sz="2400">
-                <a:solidFill>
-                  <a:schemeClr val="tx1"/>
-                </a:solidFill>
-                <a:latin typeface="Calibri" charset="0"/>
-                <a:ea typeface="ＭＳ Ｐゴシック" charset="0"/>
-              </a:defRPr>
-            </a:lvl4pPr>
-            <a:lvl5pPr marL="2057400" indent="-228600" eaLnBrk="0" hangingPunct="0">
-              <a:defRPr sz="2400">
-                <a:solidFill>
-                  <a:schemeClr val="tx1"/>
-                </a:solidFill>
-                <a:latin typeface="Calibri" charset="0"/>
-                <a:ea typeface="ＭＳ Ｐゴシック" charset="0"/>
-              </a:defRPr>
-            </a:lvl5pPr>
-            <a:lvl6pPr marL="2514600" indent="-228600" eaLnBrk="0" fontAlgn="base" hangingPunct="0">
-              <a:spcBef>
-                <a:spcPct val="0"/>
-              </a:spcBef>
-              <a:spcAft>
-                <a:spcPct val="0"/>
-              </a:spcAft>
-              <a:defRPr sz="2400">
-                <a:solidFill>
-                  <a:schemeClr val="tx1"/>
-                </a:solidFill>
-                <a:latin typeface="Calibri" charset="0"/>
-                <a:ea typeface="ＭＳ Ｐゴシック" charset="0"/>
-              </a:defRPr>
-            </a:lvl6pPr>
-            <a:lvl7pPr marL="2971800" indent="-228600" eaLnBrk="0" fontAlgn="base" hangingPunct="0">
-              <a:spcBef>
-                <a:spcPct val="0"/>
-              </a:spcBef>
-              <a:spcAft>
-                <a:spcPct val="0"/>
-              </a:spcAft>
-              <a:defRPr sz="2400">
-                <a:solidFill>
-                  <a:schemeClr val="tx1"/>
-                </a:solidFill>
-                <a:latin typeface="Calibri" charset="0"/>
-                <a:ea typeface="ＭＳ Ｐゴシック" charset="0"/>
-              </a:defRPr>
-            </a:lvl7pPr>
-            <a:lvl8pPr marL="3429000" indent="-228600" eaLnBrk="0" fontAlgn="base" hangingPunct="0">
-              <a:spcBef>
-                <a:spcPct val="0"/>
-              </a:spcBef>
-              <a:spcAft>
-                <a:spcPct val="0"/>
-              </a:spcAft>
-              <a:defRPr sz="2400">
-                <a:solidFill>
-                  <a:schemeClr val="tx1"/>
-                </a:solidFill>
-                <a:latin typeface="Calibri" charset="0"/>
-                <a:ea typeface="ＭＳ Ｐゴシック" charset="0"/>
-              </a:defRPr>
-            </a:lvl8pPr>
-            <a:lvl9pPr marL="3886200" indent="-228600" eaLnBrk="0" fontAlgn="base" hangingPunct="0">
-              <a:spcBef>
-                <a:spcPct val="0"/>
-              </a:spcBef>
-              <a:spcAft>
-                <a:spcPct val="0"/>
-              </a:spcAft>
-              <a:defRPr sz="2400">
-                <a:solidFill>
-                  <a:schemeClr val="tx1"/>
-                </a:solidFill>
-                <a:latin typeface="Calibri" charset="0"/>
-                <a:ea typeface="ＭＳ Ｐゴシック" charset="0"/>
-              </a:defRPr>
-            </a:lvl9pPr>
-          </a:lstStyle>
-          <a:p>
-            <a:pPr algn="ctr" eaLnBrk="1" hangingPunct="1"/>
-            <a:r>
-              <a:rPr lang="en-US" sz="3600" dirty="0" smtClean="0">
-                <a:solidFill>
-                  <a:srgbClr val="FFFF00"/>
-                </a:solidFill>
-                <a:latin typeface="Arial"/>
-                <a:cs typeface="Arial"/>
-              </a:rPr>
-              <a:t>Homegrown codes (typically MATLAB)</a:t>
-            </a:r>
-          </a:p>
-        </p:txBody>
-      </p:sp>
-      <p:sp>
-        <p:nvSpPr>
-          <p:cNvPr id="23" name="Right Arrow 22"/>
-          <p:cNvSpPr/>
-          <p:nvPr/>
-        </p:nvSpPr>
-        <p:spPr>
-          <a:xfrm rot="4010534">
-            <a:off x="2226713" y="4252136"/>
-            <a:ext cx="1021517" cy="307227"/>
-          </a:xfrm>
-          <a:prstGeom prst="rightArrow">
-            <a:avLst>
-              <a:gd name="adj1" fmla="val 21970"/>
-              <a:gd name="adj2" fmla="val 85039"/>
-            </a:avLst>
-          </a:prstGeom>
-          <a:solidFill>
-            <a:srgbClr val="008000"/>
-          </a:solidFill>
-          <a:ln>
+          <a:ln w="38100" cmpd="sng">
             <a:solidFill>
-              <a:srgbClr val="008000"/>
+              <a:schemeClr val="tx1"/>
             </a:solidFill>
+            <a:prstDash val="dot"/>
+            <a:tailEnd type="arrow"/>
           </a:ln>
         </p:spPr>
         <p:style>
-          <a:lnRef idx="1">
+          <a:lnRef idx="2">
             <a:schemeClr val="accent1"/>
           </a:lnRef>
-          <a:fillRef idx="3">
+          <a:fillRef idx="0">
             <a:schemeClr val="accent1"/>
           </a:fillRef>
-          <a:effectRef idx="2">
+          <a:effectRef idx="1">
             <a:schemeClr val="accent1"/>
           </a:effectRef>
           <a:fontRef idx="minor">
-            <a:schemeClr val="lt1"/>
+            <a:schemeClr val="tx1"/>
           </a:fontRef>
         </p:style>
-        <p:txBody>
-          <a:bodyPr rtlCol="0" anchor="ctr"/>
-          <a:lstStyle/>
-          <a:p>
-            <a:pPr algn="ctr"/>
-            <a:endParaRPr lang="en-US"/>
-          </a:p>
-        </p:txBody>
-      </p:sp>
-      <p:sp>
-        <p:nvSpPr>
-          <p:cNvPr id="24" name="Right Arrow 23"/>
-          <p:cNvSpPr/>
-          <p:nvPr/>
-        </p:nvSpPr>
-        <p:spPr>
-          <a:xfrm rot="7699929">
-            <a:off x="6332705" y="4474263"/>
-            <a:ext cx="803446" cy="241641"/>
-          </a:xfrm>
-          <a:prstGeom prst="rightArrow">
-            <a:avLst>
-              <a:gd name="adj1" fmla="val 21970"/>
-              <a:gd name="adj2" fmla="val 85039"/>
-            </a:avLst>
-          </a:prstGeom>
-          <a:solidFill>
-            <a:srgbClr val="008000"/>
-          </a:solidFill>
-          <a:ln>
-            <a:solidFill>
-              <a:srgbClr val="008000"/>
-            </a:solidFill>
-          </a:ln>
-        </p:spPr>
-        <p:style>
-          <a:lnRef idx="1">
-            <a:schemeClr val="accent1"/>
-          </a:lnRef>
-          <a:fillRef idx="3">
-            <a:schemeClr val="accent1"/>
-          </a:fillRef>
-          <a:effectRef idx="2">
-            <a:schemeClr val="accent1"/>
-          </a:effectRef>
-          <a:fontRef idx="minor">
-            <a:schemeClr val="lt1"/>
-          </a:fontRef>
-        </p:style>
-        <p:txBody>
-          <a:bodyPr rtlCol="0" anchor="ctr"/>
-          <a:lstStyle/>
-          <a:p>
-            <a:pPr algn="ctr"/>
-            <a:endParaRPr lang="en-US"/>
-          </a:p>
-        </p:txBody>
-      </p:sp>
-      <p:sp>
-        <p:nvSpPr>
-          <p:cNvPr id="25" name="TextBox 6"/>
-          <p:cNvSpPr txBox="1">
-            <a:spLocks noChangeArrowheads="1"/>
-          </p:cNvSpPr>
-          <p:nvPr/>
-        </p:nvSpPr>
-        <p:spPr bwMode="auto">
-          <a:xfrm>
-            <a:off x="-3220" y="4968209"/>
-            <a:ext cx="9147219" cy="954107"/>
-          </a:xfrm>
-          <a:prstGeom prst="rect">
-            <a:avLst/>
-          </a:prstGeom>
-          <a:noFill/>
-          <a:ln>
-            <a:noFill/>
-          </a:ln>
-          <a:extLst>
-            <a:ext uri="{909E8E84-426E-40dd-AFC4-6F175D3DCCD1}">
-              <a14:hiddenFill xmlns:a14="http://schemas.microsoft.com/office/drawing/2010/main">
-                <a:solidFill>
-                  <a:srgbClr val="FFFFFF"/>
-                </a:solidFill>
-              </a14:hiddenFill>
-            </a:ext>
-            <a:ext uri="{91240B29-F687-4f45-9708-019B960494DF}">
-              <a14:hiddenLine xmlns:a14="http://schemas.microsoft.com/office/drawing/2010/main" w="9525">
-                <a:solidFill>
-                  <a:srgbClr val="000000"/>
-                </a:solidFill>
-                <a:miter lim="800000"/>
-                <a:headEnd/>
-                <a:tailEnd/>
-              </a14:hiddenLine>
-            </a:ext>
-          </a:extLst>
-        </p:spPr>
-        <p:txBody>
-          <a:bodyPr wrap="square">
-            <a:spAutoFit/>
-          </a:bodyPr>
-          <a:lstStyle>
-            <a:lvl1pPr eaLnBrk="0" hangingPunct="0">
-              <a:defRPr sz="2400">
-                <a:solidFill>
-                  <a:schemeClr val="tx1"/>
-                </a:solidFill>
-                <a:latin typeface="Calibri" charset="0"/>
-                <a:ea typeface="ＭＳ Ｐゴシック" charset="0"/>
-                <a:cs typeface="ＭＳ Ｐゴシック" charset="0"/>
-              </a:defRPr>
-            </a:lvl1pPr>
-            <a:lvl2pPr marL="742950" indent="-285750" eaLnBrk="0" hangingPunct="0">
-              <a:defRPr sz="2400">
-                <a:solidFill>
-                  <a:schemeClr val="tx1"/>
-                </a:solidFill>
-                <a:latin typeface="Calibri" charset="0"/>
-                <a:ea typeface="ＭＳ Ｐゴシック" charset="0"/>
-              </a:defRPr>
-            </a:lvl2pPr>
-            <a:lvl3pPr marL="1143000" indent="-228600" eaLnBrk="0" hangingPunct="0">
-              <a:defRPr sz="2400">
-                <a:solidFill>
-                  <a:schemeClr val="tx1"/>
-                </a:solidFill>
-                <a:latin typeface="Calibri" charset="0"/>
-                <a:ea typeface="ＭＳ Ｐゴシック" charset="0"/>
-              </a:defRPr>
-            </a:lvl3pPr>
-            <a:lvl4pPr marL="1600200" indent="-228600" eaLnBrk="0" hangingPunct="0">
-              <a:defRPr sz="2400">
-                <a:solidFill>
-                  <a:schemeClr val="tx1"/>
-                </a:solidFill>
-                <a:latin typeface="Calibri" charset="0"/>
-                <a:ea typeface="ＭＳ Ｐゴシック" charset="0"/>
-              </a:defRPr>
-            </a:lvl4pPr>
-            <a:lvl5pPr marL="2057400" indent="-228600" eaLnBrk="0" hangingPunct="0">
-              <a:defRPr sz="2400">
-                <a:solidFill>
-                  <a:schemeClr val="tx1"/>
-                </a:solidFill>
-                <a:latin typeface="Calibri" charset="0"/>
-                <a:ea typeface="ＭＳ Ｐゴシック" charset="0"/>
-              </a:defRPr>
-            </a:lvl5pPr>
-            <a:lvl6pPr marL="2514600" indent="-228600" eaLnBrk="0" fontAlgn="base" hangingPunct="0">
-              <a:spcBef>
-                <a:spcPct val="0"/>
-              </a:spcBef>
-              <a:spcAft>
-                <a:spcPct val="0"/>
-              </a:spcAft>
-              <a:defRPr sz="2400">
-                <a:solidFill>
-                  <a:schemeClr val="tx1"/>
-                </a:solidFill>
-                <a:latin typeface="Calibri" charset="0"/>
-                <a:ea typeface="ＭＳ Ｐゴシック" charset="0"/>
-              </a:defRPr>
-            </a:lvl6pPr>
-            <a:lvl7pPr marL="2971800" indent="-228600" eaLnBrk="0" fontAlgn="base" hangingPunct="0">
-              <a:spcBef>
-                <a:spcPct val="0"/>
-              </a:spcBef>
-              <a:spcAft>
-                <a:spcPct val="0"/>
-              </a:spcAft>
-              <a:defRPr sz="2400">
-                <a:solidFill>
-                  <a:schemeClr val="tx1"/>
-                </a:solidFill>
-                <a:latin typeface="Calibri" charset="0"/>
-                <a:ea typeface="ＭＳ Ｐゴシック" charset="0"/>
-              </a:defRPr>
-            </a:lvl7pPr>
-            <a:lvl8pPr marL="3429000" indent="-228600" eaLnBrk="0" fontAlgn="base" hangingPunct="0">
-              <a:spcBef>
-                <a:spcPct val="0"/>
-              </a:spcBef>
-              <a:spcAft>
-                <a:spcPct val="0"/>
-              </a:spcAft>
-              <a:defRPr sz="2400">
-                <a:solidFill>
-                  <a:schemeClr val="tx1"/>
-                </a:solidFill>
-                <a:latin typeface="Calibri" charset="0"/>
-                <a:ea typeface="ＭＳ Ｐゴシック" charset="0"/>
-              </a:defRPr>
-            </a:lvl8pPr>
-            <a:lvl9pPr marL="3886200" indent="-228600" eaLnBrk="0" fontAlgn="base" hangingPunct="0">
-              <a:spcBef>
-                <a:spcPct val="0"/>
-              </a:spcBef>
-              <a:spcAft>
-                <a:spcPct val="0"/>
-              </a:spcAft>
-              <a:defRPr sz="2400">
-                <a:solidFill>
-                  <a:schemeClr val="tx1"/>
-                </a:solidFill>
-                <a:latin typeface="Calibri" charset="0"/>
-                <a:ea typeface="ＭＳ Ｐゴシック" charset="0"/>
-              </a:defRPr>
-            </a:lvl9pPr>
-          </a:lstStyle>
-          <a:p>
-            <a:pPr algn="ctr" eaLnBrk="1" hangingPunct="1"/>
-            <a:r>
-              <a:rPr lang="en-US" sz="2800" dirty="0" smtClean="0">
-                <a:solidFill>
-                  <a:srgbClr val="008000"/>
-                </a:solidFill>
-                <a:latin typeface="Arial"/>
-                <a:cs typeface="Arial"/>
-              </a:rPr>
-              <a:t>Products </a:t>
-            </a:r>
-            <a:r>
-              <a:rPr lang="en-US" sz="2800" dirty="0" smtClean="0">
-                <a:solidFill>
-                  <a:srgbClr val="008000"/>
-                </a:solidFill>
-                <a:latin typeface="Arial"/>
-                <a:cs typeface="Arial"/>
-              </a:rPr>
-              <a:t>(past: </a:t>
-            </a:r>
-            <a:r>
-              <a:rPr lang="en-US" sz="2800" dirty="0" smtClean="0">
-                <a:solidFill>
-                  <a:srgbClr val="008000"/>
-                </a:solidFill>
-                <a:latin typeface="Arial"/>
-                <a:cs typeface="Arial"/>
-              </a:rPr>
-              <a:t>RFs, SKS splits, </a:t>
-            </a:r>
-            <a:r>
-              <a:rPr lang="en-US" sz="2800" dirty="0" smtClean="0">
-                <a:solidFill>
-                  <a:srgbClr val="008000"/>
-                </a:solidFill>
-                <a:latin typeface="Arial"/>
-                <a:cs typeface="Arial"/>
-              </a:rPr>
-              <a:t>present: visualizations</a:t>
-            </a:r>
-            <a:r>
-              <a:rPr lang="en-US" sz="2800" dirty="0" smtClean="0">
-                <a:solidFill>
-                  <a:srgbClr val="008000"/>
-                </a:solidFill>
-                <a:latin typeface="Arial"/>
-                <a:cs typeface="Arial"/>
-              </a:rPr>
-              <a:t>, </a:t>
-            </a:r>
-            <a:r>
-              <a:rPr lang="en-US" sz="2800" dirty="0" smtClean="0">
-                <a:solidFill>
-                  <a:srgbClr val="008000"/>
-                </a:solidFill>
-                <a:latin typeface="Arial"/>
-                <a:cs typeface="Arial"/>
-              </a:rPr>
-              <a:t>sensor orientations</a:t>
-            </a:r>
-            <a:r>
-              <a:rPr lang="en-US" sz="2800" dirty="0" smtClean="0">
-                <a:solidFill>
-                  <a:srgbClr val="008000"/>
-                </a:solidFill>
-                <a:latin typeface="Arial"/>
-                <a:cs typeface="Arial"/>
-              </a:rPr>
-              <a:t>, </a:t>
-            </a:r>
-            <a:r>
-              <a:rPr lang="en-US" sz="2800" dirty="0" smtClean="0">
-                <a:solidFill>
-                  <a:srgbClr val="008000"/>
-                </a:solidFill>
-                <a:latin typeface="Arial"/>
-                <a:cs typeface="Arial"/>
-              </a:rPr>
-              <a:t>spectral measurements</a:t>
-            </a:r>
-            <a:endParaRPr lang="en-US" sz="2800" dirty="0" smtClean="0">
-              <a:solidFill>
-                <a:srgbClr val="008000"/>
-              </a:solidFill>
-              <a:latin typeface="Arial"/>
-              <a:cs typeface="Arial"/>
-            </a:endParaRPr>
-          </a:p>
-        </p:txBody>
-      </p:sp>
-      <p:sp>
-        <p:nvSpPr>
-          <p:cNvPr id="16" name="TextBox 6"/>
-          <p:cNvSpPr txBox="1">
-            <a:spLocks noChangeArrowheads="1"/>
-          </p:cNvSpPr>
-          <p:nvPr/>
-        </p:nvSpPr>
-        <p:spPr bwMode="auto">
-          <a:xfrm>
-            <a:off x="-3220" y="6022424"/>
-            <a:ext cx="9147219" cy="523220"/>
-          </a:xfrm>
-          <a:prstGeom prst="rect">
-            <a:avLst/>
-          </a:prstGeom>
-          <a:noFill/>
-          <a:ln>
-            <a:noFill/>
-          </a:ln>
-          <a:extLst>
-            <a:ext uri="{909E8E84-426E-40dd-AFC4-6F175D3DCCD1}">
-              <a14:hiddenFill xmlns:a14="http://schemas.microsoft.com/office/drawing/2010/main">
-                <a:solidFill>
-                  <a:srgbClr val="FFFFFF"/>
-                </a:solidFill>
-              </a14:hiddenFill>
-            </a:ext>
-            <a:ext uri="{91240B29-F687-4f45-9708-019B960494DF}">
-              <a14:hiddenLine xmlns:a14="http://schemas.microsoft.com/office/drawing/2010/main" w="9525">
-                <a:solidFill>
-                  <a:srgbClr val="000000"/>
-                </a:solidFill>
-                <a:miter lim="800000"/>
-                <a:headEnd/>
-                <a:tailEnd/>
-              </a14:hiddenLine>
-            </a:ext>
-          </a:extLst>
-        </p:spPr>
-        <p:txBody>
-          <a:bodyPr wrap="square">
-            <a:spAutoFit/>
-          </a:bodyPr>
-          <a:lstStyle>
-            <a:lvl1pPr eaLnBrk="0" hangingPunct="0">
-              <a:defRPr sz="2400">
-                <a:solidFill>
-                  <a:schemeClr val="tx1"/>
-                </a:solidFill>
-                <a:latin typeface="Calibri" charset="0"/>
-                <a:ea typeface="ＭＳ Ｐゴシック" charset="0"/>
-                <a:cs typeface="ＭＳ Ｐゴシック" charset="0"/>
-              </a:defRPr>
-            </a:lvl1pPr>
-            <a:lvl2pPr marL="742950" indent="-285750" eaLnBrk="0" hangingPunct="0">
-              <a:defRPr sz="2400">
-                <a:solidFill>
-                  <a:schemeClr val="tx1"/>
-                </a:solidFill>
-                <a:latin typeface="Calibri" charset="0"/>
-                <a:ea typeface="ＭＳ Ｐゴシック" charset="0"/>
-              </a:defRPr>
-            </a:lvl2pPr>
-            <a:lvl3pPr marL="1143000" indent="-228600" eaLnBrk="0" hangingPunct="0">
-              <a:defRPr sz="2400">
-                <a:solidFill>
-                  <a:schemeClr val="tx1"/>
-                </a:solidFill>
-                <a:latin typeface="Calibri" charset="0"/>
-                <a:ea typeface="ＭＳ Ｐゴシック" charset="0"/>
-              </a:defRPr>
-            </a:lvl3pPr>
-            <a:lvl4pPr marL="1600200" indent="-228600" eaLnBrk="0" hangingPunct="0">
-              <a:defRPr sz="2400">
-                <a:solidFill>
-                  <a:schemeClr val="tx1"/>
-                </a:solidFill>
-                <a:latin typeface="Calibri" charset="0"/>
-                <a:ea typeface="ＭＳ Ｐゴシック" charset="0"/>
-              </a:defRPr>
-            </a:lvl4pPr>
-            <a:lvl5pPr marL="2057400" indent="-228600" eaLnBrk="0" hangingPunct="0">
-              <a:defRPr sz="2400">
-                <a:solidFill>
-                  <a:schemeClr val="tx1"/>
-                </a:solidFill>
-                <a:latin typeface="Calibri" charset="0"/>
-                <a:ea typeface="ＭＳ Ｐゴシック" charset="0"/>
-              </a:defRPr>
-            </a:lvl5pPr>
-            <a:lvl6pPr marL="2514600" indent="-228600" eaLnBrk="0" fontAlgn="base" hangingPunct="0">
-              <a:spcBef>
-                <a:spcPct val="0"/>
-              </a:spcBef>
-              <a:spcAft>
-                <a:spcPct val="0"/>
-              </a:spcAft>
-              <a:defRPr sz="2400">
-                <a:solidFill>
-                  <a:schemeClr val="tx1"/>
-                </a:solidFill>
-                <a:latin typeface="Calibri" charset="0"/>
-                <a:ea typeface="ＭＳ Ｐゴシック" charset="0"/>
-              </a:defRPr>
-            </a:lvl6pPr>
-            <a:lvl7pPr marL="2971800" indent="-228600" eaLnBrk="0" fontAlgn="base" hangingPunct="0">
-              <a:spcBef>
-                <a:spcPct val="0"/>
-              </a:spcBef>
-              <a:spcAft>
-                <a:spcPct val="0"/>
-              </a:spcAft>
-              <a:defRPr sz="2400">
-                <a:solidFill>
-                  <a:schemeClr val="tx1"/>
-                </a:solidFill>
-                <a:latin typeface="Calibri" charset="0"/>
-                <a:ea typeface="ＭＳ Ｐゴシック" charset="0"/>
-              </a:defRPr>
-            </a:lvl7pPr>
-            <a:lvl8pPr marL="3429000" indent="-228600" eaLnBrk="0" fontAlgn="base" hangingPunct="0">
-              <a:spcBef>
-                <a:spcPct val="0"/>
-              </a:spcBef>
-              <a:spcAft>
-                <a:spcPct val="0"/>
-              </a:spcAft>
-              <a:defRPr sz="2400">
-                <a:solidFill>
-                  <a:schemeClr val="tx1"/>
-                </a:solidFill>
-                <a:latin typeface="Calibri" charset="0"/>
-                <a:ea typeface="ＭＳ Ｐゴシック" charset="0"/>
-              </a:defRPr>
-            </a:lvl8pPr>
-            <a:lvl9pPr marL="3886200" indent="-228600" eaLnBrk="0" fontAlgn="base" hangingPunct="0">
-              <a:spcBef>
-                <a:spcPct val="0"/>
-              </a:spcBef>
-              <a:spcAft>
-                <a:spcPct val="0"/>
-              </a:spcAft>
-              <a:defRPr sz="2400">
-                <a:solidFill>
-                  <a:schemeClr val="tx1"/>
-                </a:solidFill>
-                <a:latin typeface="Calibri" charset="0"/>
-                <a:ea typeface="ＭＳ Ｐゴシック" charset="0"/>
-              </a:defRPr>
-            </a:lvl9pPr>
-          </a:lstStyle>
-          <a:p>
-            <a:pPr algn="ctr" eaLnBrk="1" hangingPunct="1"/>
-            <a:r>
-              <a:rPr lang="en-US" sz="2800" b="1" dirty="0" smtClean="0">
-                <a:solidFill>
-                  <a:srgbClr val="3366FF"/>
-                </a:solidFill>
-                <a:latin typeface="Arial"/>
-                <a:cs typeface="Arial"/>
-              </a:rPr>
-              <a:t>2014 Goals: squeeze some Python into my brain</a:t>
-            </a:r>
-            <a:endParaRPr lang="en-US" sz="2800" b="1" dirty="0" smtClean="0">
-              <a:solidFill>
-                <a:srgbClr val="3366FF"/>
-              </a:solidFill>
-              <a:latin typeface="Arial"/>
-              <a:cs typeface="Arial"/>
-            </a:endParaRPr>
-          </a:p>
-        </p:txBody>
-      </p:sp>
+      </p:cxnSp>
     </p:spTree>
     <p:extLst>
       <p:ext uri="{BB962C8B-B14F-4D97-AF65-F5344CB8AC3E}">
-        <p14:creationId xmlns:p14="http://schemas.microsoft.com/office/powerpoint/2010/main" val="3923394522"/>
+        <p14:creationId xmlns:p14="http://schemas.microsoft.com/office/powerpoint/2010/main" val="848205678"/>
       </p:ext>
     </p:extLst>
   </p:cSld>
   <p:clrMapOvr>
     <a:masterClrMapping/>
   </p:clrMapOvr>
+  <p:timing>
+    <p:tnLst>
+      <p:par>
+        <p:cTn xmlns:p14="http://schemas.microsoft.com/office/powerpoint/2010/main" id="1" dur="indefinite" restart="never" nodeType="tmRoot"/>
+      </p:par>
+    </p:tnLst>
+  </p:timing>
 </p:sld>
 </file>
 
